--- a/mid_term/mid_term_v1.pptx
+++ b/mid_term/mid_term_v1.pptx
@@ -5227,7 +5227,7 @@
               <p:nvPr>
                 <p:extLst>
                   <p:ext uri="{D42A27DB-BD31-4B8C-83A1-F6EECF244321}">
-                    <p14:modId xmlns:p14="http://schemas.microsoft.com/office/powerpoint/2010/main" val="4227517862"/>
+                    <p14:modId xmlns:p14="http://schemas.microsoft.com/office/powerpoint/2010/main" val="872438063"/>
                   </p:ext>
                 </p:extLst>
               </p:nvPr>
@@ -5493,9 +5493,18 @@
                         <a:lstStyle/>
                         <a:p>
                           <a:r>
-                            <a:rPr lang="en-US" dirty="0"/>
-                            <a:t>TODO</a:t>
+                            <a:rPr lang="en-US" sz="1800" b="0" i="0" kern="1200">
+                              <a:solidFill>
+                                <a:schemeClr val="dk1"/>
+                              </a:solidFill>
+                              <a:effectLst/>
+                              <a:latin typeface="+mn-lt"/>
+                              <a:ea typeface="+mn-ea"/>
+                              <a:cs typeface="+mn-cs"/>
+                            </a:rPr>
+                            <a:t>0.9012</a:t>
                           </a:r>
+                          <a:endParaRPr lang="en-US" dirty="0"/>
                         </a:p>
                       </a:txBody>
                       <a:tcPr/>
@@ -6740,7 +6749,7 @@
               <p:nvPr>
                 <p:extLst>
                   <p:ext uri="{D42A27DB-BD31-4B8C-83A1-F6EECF244321}">
-                    <p14:modId xmlns:p14="http://schemas.microsoft.com/office/powerpoint/2010/main" val="4227517862"/>
+                    <p14:modId xmlns:p14="http://schemas.microsoft.com/office/powerpoint/2010/main" val="872438063"/>
                   </p:ext>
                 </p:extLst>
               </p:nvPr>
@@ -6919,9 +6928,18 @@
                         <a:lstStyle/>
                         <a:p>
                           <a:r>
-                            <a:rPr lang="en-US" dirty="0"/>
-                            <a:t>TODO</a:t>
+                            <a:rPr lang="en-US" sz="1800" b="0" i="0" kern="1200">
+                              <a:solidFill>
+                                <a:schemeClr val="dk1"/>
+                              </a:solidFill>
+                              <a:effectLst/>
+                              <a:latin typeface="+mn-lt"/>
+                              <a:ea typeface="+mn-ea"/>
+                              <a:cs typeface="+mn-cs"/>
+                            </a:rPr>
+                            <a:t>0.9012</a:t>
                           </a:r>
+                          <a:endParaRPr lang="en-US" dirty="0"/>
                         </a:p>
                       </a:txBody>
                       <a:tcPr/>
@@ -7251,14 +7269,14 @@
               <p:nvPr>
                 <p:extLst>
                   <p:ext uri="{D42A27DB-BD31-4B8C-83A1-F6EECF244321}">
-                    <p14:modId xmlns:p14="http://schemas.microsoft.com/office/powerpoint/2010/main" val="496083977"/>
+                    <p14:modId xmlns:p14="http://schemas.microsoft.com/office/powerpoint/2010/main" val="3767322679"/>
                   </p:ext>
                 </p:extLst>
               </p:nvPr>
             </p:nvGraphicFramePr>
             <p:xfrm>
               <a:off x="675810" y="2060636"/>
-              <a:ext cx="11307419" cy="4222903"/>
+              <a:ext cx="11307419" cy="2269879"/>
             </p:xfrm>
             <a:graphic>
               <a:graphicData uri="http://schemas.openxmlformats.org/drawingml/2006/table">
@@ -7297,7 +7315,7 @@
                     </a:gridCol>
                   </a:tblGrid>
                   <a:tr h="974383">
-                    <a:tc rowSpan="5">
+                    <a:tc rowSpan="3">
                       <a:txBody>
                         <a:bodyPr/>
                         <a:lstStyle/>
@@ -7401,7 +7419,7 @@
                         <a:p>
                           <a:r>
                             <a:rPr lang="en-US" dirty="0"/>
-                            <a:t>SGD</a:t>
+                            <a:t>Binary</a:t>
                           </a:r>
                         </a:p>
                       </a:txBody>
@@ -7839,910 +7857,6 @@
                       </a:ext>
                     </a:extLst>
                   </a:tr>
-                  <a:tr h="838942">
-                    <a:tc vMerge="1">
-                      <a:txBody>
-                        <a:bodyPr/>
-                        <a:lstStyle/>
-                        <a:p>
-                          <a:endParaRPr lang="en-US" dirty="0"/>
-                        </a:p>
-                      </a:txBody>
-                      <a:tcPr/>
-                    </a:tc>
-                    <a:tc>
-                      <a:txBody>
-                        <a:bodyPr/>
-                        <a:lstStyle/>
-                        <a:p>
-                          <a:r>
-                            <a:rPr lang="en-US" dirty="0" err="1"/>
-                            <a:t>RMSProp</a:t>
-                          </a:r>
-                          <a:endParaRPr lang="en-US" dirty="0"/>
-                        </a:p>
-                      </a:txBody>
-                      <a:tcPr/>
-                    </a:tc>
-                    <a:tc>
-                      <a:txBody>
-                        <a:bodyPr/>
-                        <a:lstStyle/>
-                        <a:p>
-                          <a:pPr marL="285750" marR="0" lvl="0" indent="-285750" algn="dist" defTabSz="914400" rtl="0" eaLnBrk="1" fontAlgn="auto" latinLnBrk="0" hangingPunct="1">
-                            <a:lnSpc>
-                              <a:spcPct val="100000"/>
-                            </a:lnSpc>
-                            <a:spcBef>
-                              <a:spcPts val="0"/>
-                            </a:spcBef>
-                            <a:spcAft>
-                              <a:spcPts val="0"/>
-                            </a:spcAft>
-                            <a:buClrTx/>
-                            <a:buSzTx/>
-                            <a:buFont typeface="Arial" panose="020B0604020202020204" pitchFamily="34" charset="0"/>
-                            <a:buChar char="•"/>
-                            <a:tabLst/>
-                            <a:defRPr/>
-                          </a:pPr>
-                          <a14:m>
-                            <m:oMath xmlns:m="http://schemas.openxmlformats.org/officeDocument/2006/math">
-                              <m:sSub>
-                                <m:sSubPr>
-                                  <m:ctrlPr>
-                                    <a:rPr lang="en-US" b="0" i="1" smtClean="0">
-                                      <a:latin typeface="Cambria Math" panose="02040503050406030204" pitchFamily="18" charset="0"/>
-                                    </a:rPr>
-                                  </m:ctrlPr>
-                                </m:sSubPr>
-                                <m:e>
-                                  <m:r>
-                                    <a:rPr lang="en-US" b="0" i="1" smtClean="0">
-                                      <a:latin typeface="Cambria Math" panose="02040503050406030204" pitchFamily="18" charset="0"/>
-                                    </a:rPr>
-                                    <m:t>𝑆</m:t>
-                                  </m:r>
-                                </m:e>
-                                <m:sub>
-                                  <m:r>
-                                    <a:rPr lang="en-US" b="0" i="1" smtClean="0">
-                                      <a:latin typeface="Cambria Math" panose="02040503050406030204" pitchFamily="18" charset="0"/>
-                                    </a:rPr>
-                                    <m:t>𝑡</m:t>
-                                  </m:r>
-                                  <m:r>
-                                    <a:rPr lang="en-US" b="0" i="1" smtClean="0">
-                                      <a:latin typeface="Cambria Math" panose="02040503050406030204" pitchFamily="18" charset="0"/>
-                                    </a:rPr>
-                                    <m:t>+1</m:t>
-                                  </m:r>
-                                </m:sub>
-                              </m:sSub>
-                              <m:r>
-                                <a:rPr lang="en-US" b="0" i="1" dirty="0" smtClean="0">
-                                  <a:latin typeface="Cambria Math" panose="02040503050406030204" pitchFamily="18" charset="0"/>
-                                </a:rPr>
-                                <m:t>=</m:t>
-                              </m:r>
-                              <m:r>
-                                <a:rPr lang="en-US" b="0" i="1" dirty="0" smtClean="0">
-                                  <a:latin typeface="Cambria Math" panose="02040503050406030204" pitchFamily="18" charset="0"/>
-                                  <a:ea typeface="Cambria Math" panose="02040503050406030204" pitchFamily="18" charset="0"/>
-                                </a:rPr>
-                                <m:t>𝛾</m:t>
-                              </m:r>
-                              <m:r>
-                                <a:rPr lang="en-US" b="0" i="1" dirty="0" smtClean="0">
-                                  <a:latin typeface="Cambria Math" panose="02040503050406030204" pitchFamily="18" charset="0"/>
-                                  <a:ea typeface="Cambria Math" panose="02040503050406030204" pitchFamily="18" charset="0"/>
-                                </a:rPr>
-                                <m:t>∗</m:t>
-                              </m:r>
-                              <m:sSub>
-                                <m:sSubPr>
-                                  <m:ctrlPr>
-                                    <a:rPr lang="en-US" b="0" i="1" dirty="0" err="1" smtClean="0">
-                                      <a:latin typeface="Cambria Math" panose="02040503050406030204" pitchFamily="18" charset="0"/>
-                                    </a:rPr>
-                                  </m:ctrlPr>
-                                </m:sSubPr>
-                                <m:e>
-                                  <m:r>
-                                    <a:rPr lang="en-US" b="0" i="1" dirty="0" smtClean="0">
-                                      <a:latin typeface="Cambria Math" panose="02040503050406030204" pitchFamily="18" charset="0"/>
-                                    </a:rPr>
-                                    <m:t>𝑆</m:t>
-                                  </m:r>
-                                </m:e>
-                                <m:sub>
-                                  <m:r>
-                                    <a:rPr lang="en-US" b="0" i="1" dirty="0" err="1" smtClean="0">
-                                      <a:latin typeface="Cambria Math" panose="02040503050406030204" pitchFamily="18" charset="0"/>
-                                    </a:rPr>
-                                    <m:t>𝑡</m:t>
-                                  </m:r>
-                                </m:sub>
-                              </m:sSub>
-                              <m:r>
-                                <a:rPr lang="en-US" b="0" i="1" dirty="0" smtClean="0">
-                                  <a:latin typeface="Cambria Math" panose="02040503050406030204" pitchFamily="18" charset="0"/>
-                                </a:rPr>
-                                <m:t>+(1−</m:t>
-                              </m:r>
-                              <m:r>
-                                <a:rPr lang="en-US" b="0" i="1" dirty="0" smtClean="0">
-                                  <a:latin typeface="Cambria Math" panose="02040503050406030204" pitchFamily="18" charset="0"/>
-                                  <a:ea typeface="Cambria Math" panose="02040503050406030204" pitchFamily="18" charset="0"/>
-                                </a:rPr>
-                                <m:t>𝛾</m:t>
-                              </m:r>
-                              <m:r>
-                                <a:rPr lang="en-US" b="0" i="1" dirty="0" smtClean="0">
-                                  <a:latin typeface="Cambria Math" panose="02040503050406030204" pitchFamily="18" charset="0"/>
-                                  <a:ea typeface="Cambria Math" panose="02040503050406030204" pitchFamily="18" charset="0"/>
-                                </a:rPr>
-                                <m:t>)∗</m:t>
-                              </m:r>
-                              <m:sSup>
-                                <m:sSupPr>
-                                  <m:ctrlPr>
-                                    <a:rPr lang="en-US" b="0" i="1" dirty="0" smtClean="0">
-                                      <a:latin typeface="Cambria Math" panose="02040503050406030204" pitchFamily="18" charset="0"/>
-                                      <a:ea typeface="Cambria Math" panose="02040503050406030204" pitchFamily="18" charset="0"/>
-                                    </a:rPr>
-                                  </m:ctrlPr>
-                                </m:sSupPr>
-                                <m:e>
-                                  <m:r>
-                                    <a:rPr lang="en-US" b="0" i="1" dirty="0" smtClean="0">
-                                      <a:latin typeface="Cambria Math" panose="02040503050406030204" pitchFamily="18" charset="0"/>
-                                    </a:rPr>
-                                    <m:t>𝑑𝑊</m:t>
-                                  </m:r>
-                                </m:e>
-                                <m:sup>
-                                  <m:r>
-                                    <a:rPr lang="en-US" b="0" i="1" dirty="0" smtClean="0">
-                                      <a:latin typeface="Cambria Math" panose="02040503050406030204" pitchFamily="18" charset="0"/>
-                                      <a:ea typeface="Cambria Math" panose="02040503050406030204" pitchFamily="18" charset="0"/>
-                                    </a:rPr>
-                                    <m:t>2</m:t>
-                                  </m:r>
-                                </m:sup>
-                              </m:sSup>
-                            </m:oMath>
-                          </a14:m>
-                          <a:endParaRPr lang="en-US" dirty="0"/>
-                        </a:p>
-                        <a:p>
-                          <a:pPr marL="285750" marR="0" lvl="0" indent="-285750" algn="dist" defTabSz="914400" rtl="0" eaLnBrk="1" fontAlgn="auto" latinLnBrk="0" hangingPunct="1">
-                            <a:lnSpc>
-                              <a:spcPct val="100000"/>
-                            </a:lnSpc>
-                            <a:spcBef>
-                              <a:spcPts val="0"/>
-                            </a:spcBef>
-                            <a:spcAft>
-                              <a:spcPts val="0"/>
-                            </a:spcAft>
-                            <a:buClrTx/>
-                            <a:buSzTx/>
-                            <a:buFont typeface="Arial" panose="020B0604020202020204" pitchFamily="34" charset="0"/>
-                            <a:buChar char="•"/>
-                            <a:tabLst/>
-                            <a:defRPr/>
-                          </a:pPr>
-                          <a14:m>
-                            <m:oMath xmlns:m="http://schemas.openxmlformats.org/officeDocument/2006/math">
-                              <m:sSub>
-                                <m:sSubPr>
-                                  <m:ctrlPr>
-                                    <a:rPr lang="en-US" b="0" i="1" smtClean="0">
-                                      <a:latin typeface="Cambria Math" panose="02040503050406030204" pitchFamily="18" charset="0"/>
-                                    </a:rPr>
-                                  </m:ctrlPr>
-                                </m:sSubPr>
-                                <m:e>
-                                  <m:r>
-                                    <a:rPr lang="en-US" b="0" i="1" smtClean="0">
-                                      <a:latin typeface="Cambria Math" panose="02040503050406030204" pitchFamily="18" charset="0"/>
-                                    </a:rPr>
-                                    <m:t>𝑊</m:t>
-                                  </m:r>
-                                </m:e>
-                                <m:sub>
-                                  <m:r>
-                                    <a:rPr lang="en-US" b="0" i="1" smtClean="0">
-                                      <a:latin typeface="Cambria Math" panose="02040503050406030204" pitchFamily="18" charset="0"/>
-                                    </a:rPr>
-                                    <m:t>𝑡</m:t>
-                                  </m:r>
-                                  <m:r>
-                                    <a:rPr lang="en-US" b="0" i="1" smtClean="0">
-                                      <a:latin typeface="Cambria Math" panose="02040503050406030204" pitchFamily="18" charset="0"/>
-                                    </a:rPr>
-                                    <m:t>+1</m:t>
-                                  </m:r>
-                                </m:sub>
-                              </m:sSub>
-                              <m:r>
-                                <a:rPr lang="en-US" b="0" i="1" smtClean="0">
-                                  <a:latin typeface="Cambria Math" panose="02040503050406030204" pitchFamily="18" charset="0"/>
-                                </a:rPr>
-                                <m:t>=</m:t>
-                              </m:r>
-                              <m:sSub>
-                                <m:sSubPr>
-                                  <m:ctrlPr>
-                                    <a:rPr lang="en-US" b="0" i="1" smtClean="0">
-                                      <a:latin typeface="Cambria Math" panose="02040503050406030204" pitchFamily="18" charset="0"/>
-                                    </a:rPr>
-                                  </m:ctrlPr>
-                                </m:sSubPr>
-                                <m:e>
-                                  <m:r>
-                                    <a:rPr lang="en-US" b="0" i="1" smtClean="0">
-                                      <a:latin typeface="Cambria Math" panose="02040503050406030204" pitchFamily="18" charset="0"/>
-                                    </a:rPr>
-                                    <m:t>𝑊</m:t>
-                                  </m:r>
-                                </m:e>
-                                <m:sub>
-                                  <m:r>
-                                    <a:rPr lang="en-US" b="0" i="1" smtClean="0">
-                                      <a:latin typeface="Cambria Math" panose="02040503050406030204" pitchFamily="18" charset="0"/>
-                                    </a:rPr>
-                                    <m:t>𝑡</m:t>
-                                  </m:r>
-                                </m:sub>
-                              </m:sSub>
-                              <m:r>
-                                <a:rPr lang="en-US" b="0" i="1" smtClean="0">
-                                  <a:latin typeface="Cambria Math" panose="02040503050406030204" pitchFamily="18" charset="0"/>
-                                </a:rPr>
-                                <m:t>−</m:t>
-                              </m:r>
-                              <m:r>
-                                <a:rPr lang="en-US" b="0" i="1" smtClean="0">
-                                  <a:latin typeface="Cambria Math" panose="02040503050406030204" pitchFamily="18" charset="0"/>
-                                  <a:ea typeface="Cambria Math" panose="02040503050406030204" pitchFamily="18" charset="0"/>
-                                </a:rPr>
-                                <m:t>𝛼</m:t>
-                              </m:r>
-                              <m:r>
-                                <a:rPr lang="en-US" b="0" i="1" smtClean="0">
-                                  <a:latin typeface="Cambria Math" panose="02040503050406030204" pitchFamily="18" charset="0"/>
-                                </a:rPr>
-                                <m:t>∗</m:t>
-                              </m:r>
-                              <m:f>
-                                <m:fPr>
-                                  <m:ctrlPr>
-                                    <a:rPr lang="en-US" b="0" i="1" smtClean="0">
-                                      <a:latin typeface="Cambria Math" panose="02040503050406030204" pitchFamily="18" charset="0"/>
-                                    </a:rPr>
-                                  </m:ctrlPr>
-                                </m:fPr>
-                                <m:num>
-                                  <m:r>
-                                    <a:rPr lang="en-US" b="0" i="1" smtClean="0">
-                                      <a:latin typeface="Cambria Math" panose="02040503050406030204" pitchFamily="18" charset="0"/>
-                                    </a:rPr>
-                                    <m:t>𝑑𝑊</m:t>
-                                  </m:r>
-                                </m:num>
-                                <m:den>
-                                  <m:rad>
-                                    <m:radPr>
-                                      <m:degHide m:val="on"/>
-                                      <m:ctrlPr>
-                                        <a:rPr lang="en-US" b="0" i="1" smtClean="0">
-                                          <a:latin typeface="Cambria Math" panose="02040503050406030204" pitchFamily="18" charset="0"/>
-                                        </a:rPr>
-                                      </m:ctrlPr>
-                                    </m:radPr>
-                                    <m:deg/>
-                                    <m:e>
-                                      <m:sSub>
-                                        <m:sSubPr>
-                                          <m:ctrlPr>
-                                            <a:rPr lang="en-US" b="0" i="1" smtClean="0">
-                                              <a:latin typeface="Cambria Math" panose="02040503050406030204" pitchFamily="18" charset="0"/>
-                                            </a:rPr>
-                                          </m:ctrlPr>
-                                        </m:sSubPr>
-                                        <m:e>
-                                          <m:r>
-                                            <a:rPr lang="en-US" b="0" i="1" smtClean="0">
-                                              <a:latin typeface="Cambria Math" panose="02040503050406030204" pitchFamily="18" charset="0"/>
-                                            </a:rPr>
-                                            <m:t>𝑆</m:t>
-                                          </m:r>
-                                        </m:e>
-                                        <m:sub>
-                                          <m:r>
-                                            <a:rPr lang="en-US" b="0" i="1" smtClean="0">
-                                              <a:latin typeface="Cambria Math" panose="02040503050406030204" pitchFamily="18" charset="0"/>
-                                            </a:rPr>
-                                            <m:t>𝑡</m:t>
-                                          </m:r>
-                                          <m:r>
-                                            <a:rPr lang="en-US" b="0" i="1" smtClean="0">
-                                              <a:latin typeface="Cambria Math" panose="02040503050406030204" pitchFamily="18" charset="0"/>
-                                            </a:rPr>
-                                            <m:t>+1</m:t>
-                                          </m:r>
-                                        </m:sub>
-                                      </m:sSub>
-                                      <m:r>
-                                        <a:rPr lang="en-US" b="0" i="1" smtClean="0">
-                                          <a:latin typeface="Cambria Math" panose="02040503050406030204" pitchFamily="18" charset="0"/>
-                                        </a:rPr>
-                                        <m:t>+</m:t>
-                                      </m:r>
-                                      <m:r>
-                                        <a:rPr lang="en-US" b="0" i="1" smtClean="0">
-                                          <a:latin typeface="Cambria Math" panose="02040503050406030204" pitchFamily="18" charset="0"/>
-                                          <a:ea typeface="Cambria Math" panose="02040503050406030204" pitchFamily="18" charset="0"/>
-                                        </a:rPr>
-                                        <m:t>𝜀</m:t>
-                                      </m:r>
-                                    </m:e>
-                                  </m:rad>
-                                </m:den>
-                              </m:f>
-                            </m:oMath>
-                          </a14:m>
-                          <a:endParaRPr lang="en-US" dirty="0"/>
-                        </a:p>
-                      </a:txBody>
-                      <a:tcPr/>
-                    </a:tc>
-                    <a:tc>
-                      <a:txBody>
-                        <a:bodyPr/>
-                        <a:lstStyle/>
-                        <a:p>
-                          <a:endParaRPr lang="en-US" dirty="0"/>
-                        </a:p>
-                      </a:txBody>
-                      <a:tcPr/>
-                    </a:tc>
-                    <a:extLst>
-                      <a:ext uri="{0D108BD9-81ED-4DB2-BD59-A6C34878D82A}">
-                        <a16:rowId xmlns:a16="http://schemas.microsoft.com/office/drawing/2014/main" val="2748839980"/>
-                      </a:ext>
-                    </a:extLst>
-                  </a:tr>
-                  <a:tr h="1114082">
-                    <a:tc vMerge="1">
-                      <a:txBody>
-                        <a:bodyPr/>
-                        <a:lstStyle/>
-                        <a:p>
-                          <a:endParaRPr lang="en-US" dirty="0"/>
-                        </a:p>
-                      </a:txBody>
-                      <a:tcPr/>
-                    </a:tc>
-                    <a:tc>
-                      <a:txBody>
-                        <a:bodyPr/>
-                        <a:lstStyle/>
-                        <a:p>
-                          <a:r>
-                            <a:rPr lang="en-US" dirty="0"/>
-                            <a:t>Adam</a:t>
-                          </a:r>
-                        </a:p>
-                      </a:txBody>
-                      <a:tcPr/>
-                    </a:tc>
-                    <a:tc>
-                      <a:txBody>
-                        <a:bodyPr/>
-                        <a:lstStyle/>
-                        <a:p>
-                          <a:pPr marL="285750" marR="0" lvl="0" indent="-285750" algn="dist" defTabSz="914400" rtl="0" eaLnBrk="1" fontAlgn="auto" latinLnBrk="0" hangingPunct="1">
-                            <a:lnSpc>
-                              <a:spcPct val="100000"/>
-                            </a:lnSpc>
-                            <a:spcBef>
-                              <a:spcPts val="0"/>
-                            </a:spcBef>
-                            <a:spcAft>
-                              <a:spcPts val="0"/>
-                            </a:spcAft>
-                            <a:buClrTx/>
-                            <a:buSzTx/>
-                            <a:buFont typeface="Arial" panose="020B0604020202020204" pitchFamily="34" charset="0"/>
-                            <a:buChar char="•"/>
-                            <a:tabLst/>
-                            <a:defRPr/>
-                          </a:pPr>
-                          <a14:m>
-                            <m:oMath xmlns:m="http://schemas.openxmlformats.org/officeDocument/2006/math">
-                              <m:sSub>
-                                <m:sSubPr>
-                                  <m:ctrlPr>
-                                    <a:rPr lang="en-US" b="0" i="1" smtClean="0">
-                                      <a:latin typeface="Cambria Math" panose="02040503050406030204" pitchFamily="18" charset="0"/>
-                                    </a:rPr>
-                                  </m:ctrlPr>
-                                </m:sSubPr>
-                                <m:e>
-                                  <m:r>
-                                    <a:rPr lang="en-US" b="0" i="1" smtClean="0">
-                                      <a:latin typeface="Cambria Math" panose="02040503050406030204" pitchFamily="18" charset="0"/>
-                                    </a:rPr>
-                                    <m:t>𝑉</m:t>
-                                  </m:r>
-                                </m:e>
-                                <m:sub>
-                                  <m:r>
-                                    <a:rPr lang="en-US" b="0" i="1" smtClean="0">
-                                      <a:latin typeface="Cambria Math" panose="02040503050406030204" pitchFamily="18" charset="0"/>
-                                    </a:rPr>
-                                    <m:t>𝑡</m:t>
-                                  </m:r>
-                                  <m:r>
-                                    <a:rPr lang="en-US" b="0" i="1" smtClean="0">
-                                      <a:latin typeface="Cambria Math" panose="02040503050406030204" pitchFamily="18" charset="0"/>
-                                    </a:rPr>
-                                    <m:t>+1</m:t>
-                                  </m:r>
-                                </m:sub>
-                              </m:sSub>
-                              <m:r>
-                                <a:rPr lang="en-US" b="0" i="1" dirty="0" smtClean="0">
-                                  <a:latin typeface="Cambria Math" panose="02040503050406030204" pitchFamily="18" charset="0"/>
-                                </a:rPr>
-                                <m:t>=</m:t>
-                              </m:r>
-                              <m:r>
-                                <a:rPr lang="en-US" b="0" i="1" dirty="0" smtClean="0">
-                                  <a:latin typeface="Cambria Math" panose="02040503050406030204" pitchFamily="18" charset="0"/>
-                                  <a:ea typeface="Cambria Math" panose="02040503050406030204" pitchFamily="18" charset="0"/>
-                                </a:rPr>
-                                <m:t>𝛽</m:t>
-                              </m:r>
-                              <m:r>
-                                <a:rPr lang="en-US" b="0" i="1" dirty="0" smtClean="0">
-                                  <a:latin typeface="Cambria Math" panose="02040503050406030204" pitchFamily="18" charset="0"/>
-                                  <a:ea typeface="Cambria Math" panose="02040503050406030204" pitchFamily="18" charset="0"/>
-                                </a:rPr>
-                                <m:t>∗</m:t>
-                              </m:r>
-                              <m:sSub>
-                                <m:sSubPr>
-                                  <m:ctrlPr>
-                                    <a:rPr lang="en-US" b="0" i="1" dirty="0" err="1" smtClean="0">
-                                      <a:latin typeface="Cambria Math" panose="02040503050406030204" pitchFamily="18" charset="0"/>
-                                    </a:rPr>
-                                  </m:ctrlPr>
-                                </m:sSubPr>
-                                <m:e>
-                                  <m:r>
-                                    <a:rPr lang="en-US" b="0" i="1" dirty="0" smtClean="0">
-                                      <a:latin typeface="Cambria Math" panose="02040503050406030204" pitchFamily="18" charset="0"/>
-                                    </a:rPr>
-                                    <m:t>𝑉</m:t>
-                                  </m:r>
-                                </m:e>
-                                <m:sub>
-                                  <m:r>
-                                    <a:rPr lang="en-US" b="0" i="1" dirty="0" err="1" smtClean="0">
-                                      <a:latin typeface="Cambria Math" panose="02040503050406030204" pitchFamily="18" charset="0"/>
-                                    </a:rPr>
-                                    <m:t>𝑡</m:t>
-                                  </m:r>
-                                </m:sub>
-                              </m:sSub>
-                              <m:r>
-                                <a:rPr lang="en-US" b="0" i="1" dirty="0" smtClean="0">
-                                  <a:latin typeface="Cambria Math" panose="02040503050406030204" pitchFamily="18" charset="0"/>
-                                </a:rPr>
-                                <m:t>+(1−</m:t>
-                              </m:r>
-                              <m:r>
-                                <a:rPr lang="en-US" b="0" i="1" dirty="0" smtClean="0">
-                                  <a:latin typeface="Cambria Math" panose="02040503050406030204" pitchFamily="18" charset="0"/>
-                                  <a:ea typeface="Cambria Math" panose="02040503050406030204" pitchFamily="18" charset="0"/>
-                                </a:rPr>
-                                <m:t>𝛽</m:t>
-                              </m:r>
-                              <m:r>
-                                <a:rPr lang="en-US" b="0" i="1" dirty="0" smtClean="0">
-                                  <a:latin typeface="Cambria Math" panose="02040503050406030204" pitchFamily="18" charset="0"/>
-                                  <a:ea typeface="Cambria Math" panose="02040503050406030204" pitchFamily="18" charset="0"/>
-                                </a:rPr>
-                                <m:t>)∗</m:t>
-                              </m:r>
-                              <m:r>
-                                <a:rPr lang="en-US" b="0" i="1" dirty="0" err="1" smtClean="0">
-                                  <a:latin typeface="Cambria Math" panose="02040503050406030204" pitchFamily="18" charset="0"/>
-                                </a:rPr>
-                                <m:t>𝑑𝑊</m:t>
-                              </m:r>
-                            </m:oMath>
-                          </a14:m>
-                          <a:endParaRPr lang="en-US" b="0" i="1" dirty="0">
-                            <a:latin typeface="Cambria Math" panose="02040503050406030204" pitchFamily="18" charset="0"/>
-                          </a:endParaRPr>
-                        </a:p>
-                        <a:p>
-                          <a:pPr marL="285750" marR="0" lvl="0" indent="-285750" algn="dist" defTabSz="914400" rtl="0" eaLnBrk="1" fontAlgn="auto" latinLnBrk="0" hangingPunct="1">
-                            <a:lnSpc>
-                              <a:spcPct val="100000"/>
-                            </a:lnSpc>
-                            <a:spcBef>
-                              <a:spcPts val="0"/>
-                            </a:spcBef>
-                            <a:spcAft>
-                              <a:spcPts val="0"/>
-                            </a:spcAft>
-                            <a:buClrTx/>
-                            <a:buSzTx/>
-                            <a:buFont typeface="Arial" panose="020B0604020202020204" pitchFamily="34" charset="0"/>
-                            <a:buChar char="•"/>
-                            <a:tabLst/>
-                            <a:defRPr/>
-                          </a:pPr>
-                          <a14:m>
-                            <m:oMath xmlns:m="http://schemas.openxmlformats.org/officeDocument/2006/math">
-                              <m:sSub>
-                                <m:sSubPr>
-                                  <m:ctrlPr>
-                                    <a:rPr lang="en-US" b="0" i="1" smtClean="0">
-                                      <a:latin typeface="Cambria Math" panose="02040503050406030204" pitchFamily="18" charset="0"/>
-                                    </a:rPr>
-                                  </m:ctrlPr>
-                                </m:sSubPr>
-                                <m:e>
-                                  <m:r>
-                                    <a:rPr lang="en-US" b="0" i="1" smtClean="0">
-                                      <a:latin typeface="Cambria Math" panose="02040503050406030204" pitchFamily="18" charset="0"/>
-                                    </a:rPr>
-                                    <m:t>𝑆</m:t>
-                                  </m:r>
-                                </m:e>
-                                <m:sub>
-                                  <m:r>
-                                    <a:rPr lang="en-US" b="0" i="1" smtClean="0">
-                                      <a:latin typeface="Cambria Math" panose="02040503050406030204" pitchFamily="18" charset="0"/>
-                                    </a:rPr>
-                                    <m:t>𝑡</m:t>
-                                  </m:r>
-                                  <m:r>
-                                    <a:rPr lang="en-US" b="0" i="1" smtClean="0">
-                                      <a:latin typeface="Cambria Math" panose="02040503050406030204" pitchFamily="18" charset="0"/>
-                                    </a:rPr>
-                                    <m:t>+1</m:t>
-                                  </m:r>
-                                </m:sub>
-                              </m:sSub>
-                              <m:r>
-                                <a:rPr lang="en-US" b="0" i="1" dirty="0" smtClean="0">
-                                  <a:latin typeface="Cambria Math" panose="02040503050406030204" pitchFamily="18" charset="0"/>
-                                </a:rPr>
-                                <m:t>=</m:t>
-                              </m:r>
-                              <m:r>
-                                <a:rPr lang="en-US" b="0" i="1" dirty="0" smtClean="0">
-                                  <a:latin typeface="Cambria Math" panose="02040503050406030204" pitchFamily="18" charset="0"/>
-                                  <a:ea typeface="Cambria Math" panose="02040503050406030204" pitchFamily="18" charset="0"/>
-                                </a:rPr>
-                                <m:t>𝛾</m:t>
-                              </m:r>
-                              <m:r>
-                                <a:rPr lang="en-US" b="0" i="1" dirty="0" smtClean="0">
-                                  <a:latin typeface="Cambria Math" panose="02040503050406030204" pitchFamily="18" charset="0"/>
-                                  <a:ea typeface="Cambria Math" panose="02040503050406030204" pitchFamily="18" charset="0"/>
-                                </a:rPr>
-                                <m:t>∗</m:t>
-                              </m:r>
-                              <m:sSub>
-                                <m:sSubPr>
-                                  <m:ctrlPr>
-                                    <a:rPr lang="en-US" b="0" i="1" dirty="0" err="1" smtClean="0">
-                                      <a:latin typeface="Cambria Math" panose="02040503050406030204" pitchFamily="18" charset="0"/>
-                                    </a:rPr>
-                                  </m:ctrlPr>
-                                </m:sSubPr>
-                                <m:e>
-                                  <m:r>
-                                    <a:rPr lang="en-US" b="0" i="1" dirty="0" smtClean="0">
-                                      <a:latin typeface="Cambria Math" panose="02040503050406030204" pitchFamily="18" charset="0"/>
-                                    </a:rPr>
-                                    <m:t>𝑆</m:t>
-                                  </m:r>
-                                </m:e>
-                                <m:sub>
-                                  <m:r>
-                                    <a:rPr lang="en-US" b="0" i="1" dirty="0" err="1" smtClean="0">
-                                      <a:latin typeface="Cambria Math" panose="02040503050406030204" pitchFamily="18" charset="0"/>
-                                    </a:rPr>
-                                    <m:t>𝑡</m:t>
-                                  </m:r>
-                                </m:sub>
-                              </m:sSub>
-                              <m:r>
-                                <a:rPr lang="en-US" b="0" i="1" dirty="0" smtClean="0">
-                                  <a:latin typeface="Cambria Math" panose="02040503050406030204" pitchFamily="18" charset="0"/>
-                                </a:rPr>
-                                <m:t>+(1−</m:t>
-                              </m:r>
-                              <m:r>
-                                <a:rPr lang="en-US" b="0" i="1" dirty="0" smtClean="0">
-                                  <a:latin typeface="Cambria Math" panose="02040503050406030204" pitchFamily="18" charset="0"/>
-                                  <a:ea typeface="Cambria Math" panose="02040503050406030204" pitchFamily="18" charset="0"/>
-                                </a:rPr>
-                                <m:t>𝛾</m:t>
-                              </m:r>
-                              <m:r>
-                                <a:rPr lang="en-US" b="0" i="1" dirty="0" smtClean="0">
-                                  <a:latin typeface="Cambria Math" panose="02040503050406030204" pitchFamily="18" charset="0"/>
-                                  <a:ea typeface="Cambria Math" panose="02040503050406030204" pitchFamily="18" charset="0"/>
-                                </a:rPr>
-                                <m:t>)∗</m:t>
-                              </m:r>
-                              <m:sSup>
-                                <m:sSupPr>
-                                  <m:ctrlPr>
-                                    <a:rPr lang="en-US" b="0" i="1" dirty="0" smtClean="0">
-                                      <a:latin typeface="Cambria Math" panose="02040503050406030204" pitchFamily="18" charset="0"/>
-                                      <a:ea typeface="Cambria Math" panose="02040503050406030204" pitchFamily="18" charset="0"/>
-                                    </a:rPr>
-                                  </m:ctrlPr>
-                                </m:sSupPr>
-                                <m:e>
-                                  <m:r>
-                                    <a:rPr lang="en-US" b="0" i="1" dirty="0" smtClean="0">
-                                      <a:latin typeface="Cambria Math" panose="02040503050406030204" pitchFamily="18" charset="0"/>
-                                    </a:rPr>
-                                    <m:t>𝑑𝑊</m:t>
-                                  </m:r>
-                                </m:e>
-                                <m:sup>
-                                  <m:r>
-                                    <a:rPr lang="en-US" b="0" i="1" dirty="0" smtClean="0">
-                                      <a:latin typeface="Cambria Math" panose="02040503050406030204" pitchFamily="18" charset="0"/>
-                                      <a:ea typeface="Cambria Math" panose="02040503050406030204" pitchFamily="18" charset="0"/>
-                                    </a:rPr>
-                                    <m:t>2</m:t>
-                                  </m:r>
-                                </m:sup>
-                              </m:sSup>
-                            </m:oMath>
-                          </a14:m>
-                          <a:endParaRPr lang="en-US" dirty="0"/>
-                        </a:p>
-                        <a:p>
-                          <a:pPr marL="285750" marR="0" lvl="0" indent="-285750" algn="dist" defTabSz="914400" rtl="0" eaLnBrk="1" fontAlgn="auto" latinLnBrk="0" hangingPunct="1">
-                            <a:lnSpc>
-                              <a:spcPct val="100000"/>
-                            </a:lnSpc>
-                            <a:spcBef>
-                              <a:spcPts val="0"/>
-                            </a:spcBef>
-                            <a:spcAft>
-                              <a:spcPts val="0"/>
-                            </a:spcAft>
-                            <a:buClrTx/>
-                            <a:buSzTx/>
-                            <a:buFont typeface="Arial" panose="020B0604020202020204" pitchFamily="34" charset="0"/>
-                            <a:buChar char="•"/>
-                            <a:tabLst/>
-                            <a:defRPr/>
-                          </a:pPr>
-                          <a14:m>
-                            <m:oMath xmlns:m="http://schemas.openxmlformats.org/officeDocument/2006/math">
-                              <m:sSub>
-                                <m:sSubPr>
-                                  <m:ctrlPr>
-                                    <a:rPr lang="en-US" b="0" i="1" smtClean="0">
-                                      <a:latin typeface="Cambria Math" panose="02040503050406030204" pitchFamily="18" charset="0"/>
-                                    </a:rPr>
-                                  </m:ctrlPr>
-                                </m:sSubPr>
-                                <m:e>
-                                  <m:r>
-                                    <a:rPr lang="en-US" b="0" i="1" smtClean="0">
-                                      <a:latin typeface="Cambria Math" panose="02040503050406030204" pitchFamily="18" charset="0"/>
-                                    </a:rPr>
-                                    <m:t>𝑊</m:t>
-                                  </m:r>
-                                </m:e>
-                                <m:sub>
-                                  <m:r>
-                                    <a:rPr lang="en-US" b="0" i="1" smtClean="0">
-                                      <a:latin typeface="Cambria Math" panose="02040503050406030204" pitchFamily="18" charset="0"/>
-                                    </a:rPr>
-                                    <m:t>𝑡</m:t>
-                                  </m:r>
-                                  <m:r>
-                                    <a:rPr lang="en-US" b="0" i="1" smtClean="0">
-                                      <a:latin typeface="Cambria Math" panose="02040503050406030204" pitchFamily="18" charset="0"/>
-                                    </a:rPr>
-                                    <m:t>+1</m:t>
-                                  </m:r>
-                                </m:sub>
-                              </m:sSub>
-                              <m:r>
-                                <a:rPr lang="en-US" b="0" i="1" smtClean="0">
-                                  <a:latin typeface="Cambria Math" panose="02040503050406030204" pitchFamily="18" charset="0"/>
-                                </a:rPr>
-                                <m:t>=</m:t>
-                              </m:r>
-                              <m:sSub>
-                                <m:sSubPr>
-                                  <m:ctrlPr>
-                                    <a:rPr lang="en-US" b="0" i="1" smtClean="0">
-                                      <a:latin typeface="Cambria Math" panose="02040503050406030204" pitchFamily="18" charset="0"/>
-                                    </a:rPr>
-                                  </m:ctrlPr>
-                                </m:sSubPr>
-                                <m:e>
-                                  <m:r>
-                                    <a:rPr lang="en-US" b="0" i="1" smtClean="0">
-                                      <a:latin typeface="Cambria Math" panose="02040503050406030204" pitchFamily="18" charset="0"/>
-                                    </a:rPr>
-                                    <m:t>𝑊</m:t>
-                                  </m:r>
-                                </m:e>
-                                <m:sub>
-                                  <m:r>
-                                    <a:rPr lang="en-US" b="0" i="1" smtClean="0">
-                                      <a:latin typeface="Cambria Math" panose="02040503050406030204" pitchFamily="18" charset="0"/>
-                                    </a:rPr>
-                                    <m:t>𝑡</m:t>
-                                  </m:r>
-                                </m:sub>
-                              </m:sSub>
-                              <m:r>
-                                <a:rPr lang="en-US" b="0" i="1" smtClean="0">
-                                  <a:latin typeface="Cambria Math" panose="02040503050406030204" pitchFamily="18" charset="0"/>
-                                </a:rPr>
-                                <m:t>−</m:t>
-                              </m:r>
-                              <m:r>
-                                <a:rPr lang="en-US" b="0" i="1" smtClean="0">
-                                  <a:latin typeface="Cambria Math" panose="02040503050406030204" pitchFamily="18" charset="0"/>
-                                  <a:ea typeface="Cambria Math" panose="02040503050406030204" pitchFamily="18" charset="0"/>
-                                </a:rPr>
-                                <m:t>𝛼</m:t>
-                              </m:r>
-                              <m:r>
-                                <a:rPr lang="en-US" b="0" i="1" smtClean="0">
-                                  <a:latin typeface="Cambria Math" panose="02040503050406030204" pitchFamily="18" charset="0"/>
-                                </a:rPr>
-                                <m:t>∗</m:t>
-                              </m:r>
-                              <m:f>
-                                <m:fPr>
-                                  <m:ctrlPr>
-                                    <a:rPr lang="en-US" b="0" i="1" smtClean="0">
-                                      <a:latin typeface="Cambria Math" panose="02040503050406030204" pitchFamily="18" charset="0"/>
-                                    </a:rPr>
-                                  </m:ctrlPr>
-                                </m:fPr>
-                                <m:num>
-                                  <m:sSub>
-                                    <m:sSubPr>
-                                      <m:ctrlPr>
-                                        <a:rPr lang="en-US" b="0" i="1" smtClean="0">
-                                          <a:latin typeface="Cambria Math" panose="02040503050406030204" pitchFamily="18" charset="0"/>
-                                        </a:rPr>
-                                      </m:ctrlPr>
-                                    </m:sSubPr>
-                                    <m:e>
-                                      <m:r>
-                                        <a:rPr lang="en-US" b="0" i="1" smtClean="0">
-                                          <a:latin typeface="Cambria Math" panose="02040503050406030204" pitchFamily="18" charset="0"/>
-                                        </a:rPr>
-                                        <m:t>𝑉</m:t>
-                                      </m:r>
-                                    </m:e>
-                                    <m:sub>
-                                      <m:r>
-                                        <a:rPr lang="en-US" b="0" i="1" smtClean="0">
-                                          <a:latin typeface="Cambria Math" panose="02040503050406030204" pitchFamily="18" charset="0"/>
-                                        </a:rPr>
-                                        <m:t>𝑡</m:t>
-                                      </m:r>
-                                      <m:r>
-                                        <a:rPr lang="en-US" b="0" i="1" smtClean="0">
-                                          <a:latin typeface="Cambria Math" panose="02040503050406030204" pitchFamily="18" charset="0"/>
-                                        </a:rPr>
-                                        <m:t>+1</m:t>
-                                      </m:r>
-                                    </m:sub>
-                                  </m:sSub>
-                                </m:num>
-                                <m:den>
-                                  <m:rad>
-                                    <m:radPr>
-                                      <m:degHide m:val="on"/>
-                                      <m:ctrlPr>
-                                        <a:rPr lang="en-US" b="0" i="1" smtClean="0">
-                                          <a:latin typeface="Cambria Math" panose="02040503050406030204" pitchFamily="18" charset="0"/>
-                                        </a:rPr>
-                                      </m:ctrlPr>
-                                    </m:radPr>
-                                    <m:deg/>
-                                    <m:e>
-                                      <m:sSub>
-                                        <m:sSubPr>
-                                          <m:ctrlPr>
-                                            <a:rPr lang="en-US" b="0" i="1" smtClean="0">
-                                              <a:latin typeface="Cambria Math" panose="02040503050406030204" pitchFamily="18" charset="0"/>
-                                            </a:rPr>
-                                          </m:ctrlPr>
-                                        </m:sSubPr>
-                                        <m:e>
-                                          <m:r>
-                                            <a:rPr lang="en-US" b="0" i="1" smtClean="0">
-                                              <a:latin typeface="Cambria Math" panose="02040503050406030204" pitchFamily="18" charset="0"/>
-                                            </a:rPr>
-                                            <m:t>𝑆</m:t>
-                                          </m:r>
-                                        </m:e>
-                                        <m:sub>
-                                          <m:r>
-                                            <a:rPr lang="en-US" b="0" i="1" smtClean="0">
-                                              <a:latin typeface="Cambria Math" panose="02040503050406030204" pitchFamily="18" charset="0"/>
-                                            </a:rPr>
-                                            <m:t>𝑡</m:t>
-                                          </m:r>
-                                          <m:r>
-                                            <a:rPr lang="en-US" b="0" i="1" smtClean="0">
-                                              <a:latin typeface="Cambria Math" panose="02040503050406030204" pitchFamily="18" charset="0"/>
-                                            </a:rPr>
-                                            <m:t>+1</m:t>
-                                          </m:r>
-                                        </m:sub>
-                                      </m:sSub>
-                                      <m:r>
-                                        <a:rPr lang="en-US" b="0" i="1" smtClean="0">
-                                          <a:latin typeface="Cambria Math" panose="02040503050406030204" pitchFamily="18" charset="0"/>
-                                        </a:rPr>
-                                        <m:t>+</m:t>
-                                      </m:r>
-                                      <m:r>
-                                        <a:rPr lang="en-US" b="0" i="1" smtClean="0">
-                                          <a:latin typeface="Cambria Math" panose="02040503050406030204" pitchFamily="18" charset="0"/>
-                                          <a:ea typeface="Cambria Math" panose="02040503050406030204" pitchFamily="18" charset="0"/>
-                                        </a:rPr>
-                                        <m:t>𝜀</m:t>
-                                      </m:r>
-                                    </m:e>
-                                  </m:rad>
-                                </m:den>
-                              </m:f>
-                            </m:oMath>
-                          </a14:m>
-                          <a:endParaRPr lang="en-US" dirty="0"/>
-                        </a:p>
-                      </a:txBody>
-                      <a:tcPr/>
-                    </a:tc>
-                    <a:tc>
-                      <a:txBody>
-                        <a:bodyPr/>
-                        <a:lstStyle/>
-                        <a:p>
-                          <a:endParaRPr lang="en-US" dirty="0"/>
-                        </a:p>
-                      </a:txBody>
-                      <a:tcPr/>
-                    </a:tc>
-                    <a:extLst>
-                      <a:ext uri="{0D108BD9-81ED-4DB2-BD59-A6C34878D82A}">
-                        <a16:rowId xmlns:a16="http://schemas.microsoft.com/office/drawing/2014/main" val="2333451268"/>
-                      </a:ext>
-                    </a:extLst>
-                  </a:tr>
                 </a:tbl>
               </a:graphicData>
             </a:graphic>
@@ -8764,14 +7878,14 @@
               <p:nvPr>
                 <p:extLst>
                   <p:ext uri="{D42A27DB-BD31-4B8C-83A1-F6EECF244321}">
-                    <p14:modId xmlns:p14="http://schemas.microsoft.com/office/powerpoint/2010/main" val="496083977"/>
+                    <p14:modId xmlns:p14="http://schemas.microsoft.com/office/powerpoint/2010/main" val="3767322679"/>
                   </p:ext>
                 </p:extLst>
               </p:nvPr>
             </p:nvGraphicFramePr>
             <p:xfrm>
               <a:off x="675810" y="2060636"/>
-              <a:ext cx="11307419" cy="4222903"/>
+              <a:ext cx="11307419" cy="2269879"/>
             </p:xfrm>
             <a:graphic>
               <a:graphicData uri="http://schemas.openxmlformats.org/drawingml/2006/table">
@@ -8810,7 +7924,7 @@
                     </a:gridCol>
                   </a:tblGrid>
                   <a:tr h="974383">
-                    <a:tc rowSpan="5">
+                    <a:tc rowSpan="3">
                       <a:txBody>
                         <a:bodyPr/>
                         <a:lstStyle/>
@@ -8914,7 +8028,7 @@
                         <a:p>
                           <a:r>
                             <a:rPr lang="en-US" dirty="0"/>
-                            <a:t>SGD</a:t>
+                            <a:t>Binary</a:t>
                           </a:r>
                         </a:p>
                       </a:txBody>
@@ -8932,7 +8046,7 @@
                         <a:blipFill>
                           <a:blip r:embed="rId2"/>
                           <a:stretch>
-                            <a:fillRect l="-97297" t="-160194" r="-41956" b="-419417"/>
+                            <a:fillRect l="-97297" t="-160194" r="-41956" b="-113592"/>
                           </a:stretch>
                         </a:blipFill>
                       </a:tcPr>
@@ -8992,7 +8106,7 @@
                         <a:blipFill>
                           <a:blip r:embed="rId2"/>
                           <a:stretch>
-                            <a:fillRect l="-97297" t="-245872" r="-41956" b="-296330"/>
+                            <a:fillRect l="-97297" t="-243636" r="-41956" b="-6364"/>
                           </a:stretch>
                         </a:blipFill>
                       </a:tcPr>
@@ -9010,121 +8124,6 @@
                     <a:extLst>
                       <a:ext uri="{0D108BD9-81ED-4DB2-BD59-A6C34878D82A}">
                         <a16:rowId xmlns:a16="http://schemas.microsoft.com/office/drawing/2014/main" val="2401624614"/>
-                      </a:ext>
-                    </a:extLst>
-                  </a:tr>
-                  <a:tr h="838942">
-                    <a:tc vMerge="1">
-                      <a:txBody>
-                        <a:bodyPr/>
-                        <a:lstStyle/>
-                        <a:p>
-                          <a:endParaRPr lang="en-US" dirty="0"/>
-                        </a:p>
-                      </a:txBody>
-                      <a:tcPr/>
-                    </a:tc>
-                    <a:tc>
-                      <a:txBody>
-                        <a:bodyPr/>
-                        <a:lstStyle/>
-                        <a:p>
-                          <a:r>
-                            <a:rPr lang="en-US" dirty="0" err="1"/>
-                            <a:t>RMSProp</a:t>
-                          </a:r>
-                          <a:endParaRPr lang="en-US" dirty="0"/>
-                        </a:p>
-                      </a:txBody>
-                      <a:tcPr/>
-                    </a:tc>
-                    <a:tc>
-                      <a:txBody>
-                        <a:bodyPr/>
-                        <a:lstStyle/>
-                        <a:p>
-                          <a:endParaRPr lang="en-US"/>
-                        </a:p>
-                      </a:txBody>
-                      <a:tcPr>
-                        <a:blipFill>
-                          <a:blip r:embed="rId2"/>
-                          <a:stretch>
-                            <a:fillRect l="-97297" t="-273188" r="-41956" b="-134058"/>
-                          </a:stretch>
-                        </a:blipFill>
-                      </a:tcPr>
-                    </a:tc>
-                    <a:tc>
-                      <a:txBody>
-                        <a:bodyPr/>
-                        <a:lstStyle/>
-                        <a:p>
-                          <a:endParaRPr lang="en-US" dirty="0"/>
-                        </a:p>
-                      </a:txBody>
-                      <a:tcPr/>
-                    </a:tc>
-                    <a:extLst>
-                      <a:ext uri="{0D108BD9-81ED-4DB2-BD59-A6C34878D82A}">
-                        <a16:rowId xmlns:a16="http://schemas.microsoft.com/office/drawing/2014/main" val="2748839980"/>
-                      </a:ext>
-                    </a:extLst>
-                  </a:tr>
-                  <a:tr h="1114082">
-                    <a:tc vMerge="1">
-                      <a:txBody>
-                        <a:bodyPr/>
-                        <a:lstStyle/>
-                        <a:p>
-                          <a:endParaRPr lang="en-US" dirty="0"/>
-                        </a:p>
-                      </a:txBody>
-                      <a:tcPr/>
-                    </a:tc>
-                    <a:tc>
-                      <a:txBody>
-                        <a:bodyPr/>
-                        <a:lstStyle/>
-                        <a:p>
-                          <a:r>
-                            <a:rPr lang="en-US" dirty="0"/>
-                            <a:t>Adam</a:t>
-                          </a:r>
-                        </a:p>
-                      </a:txBody>
-                      <a:tcPr/>
-                    </a:tc>
-                    <a:tc>
-                      <a:txBody>
-                        <a:bodyPr/>
-                        <a:lstStyle/>
-                        <a:p>
-                          <a:endParaRPr lang="en-US"/>
-                        </a:p>
-                      </a:txBody>
-                      <a:tcPr>
-                        <a:blipFill>
-                          <a:blip r:embed="rId2"/>
-                          <a:stretch>
-                            <a:fillRect l="-97297" t="-281421" r="-41956" b="-1093"/>
-                          </a:stretch>
-                        </a:blipFill>
-                      </a:tcPr>
-                    </a:tc>
-                    <a:tc>
-                      <a:txBody>
-                        <a:bodyPr/>
-                        <a:lstStyle/>
-                        <a:p>
-                          <a:endParaRPr lang="en-US" dirty="0"/>
-                        </a:p>
-                      </a:txBody>
-                      <a:tcPr/>
-                    </a:tc>
-                    <a:extLst>
-                      <a:ext uri="{0D108BD9-81ED-4DB2-BD59-A6C34878D82A}">
-                        <a16:rowId xmlns:a16="http://schemas.microsoft.com/office/drawing/2014/main" val="2333451268"/>
                       </a:ext>
                     </a:extLst>
                   </a:tr>
@@ -11522,6 +10521,125 @@
           </a:fontRef>
         </p:style>
       </p:cxnSp>
+      <p:cxnSp>
+        <p:nvCxnSpPr>
+          <p:cNvPr id="301" name="Straight Arrow Connector 300">
+            <a:extLst>
+              <a:ext uri="{FF2B5EF4-FFF2-40B4-BE49-F238E27FC236}">
+                <a16:creationId xmlns:a16="http://schemas.microsoft.com/office/drawing/2014/main" id="{B6F3ACDF-2802-4B21-9531-975F3FD95B1D}"/>
+              </a:ext>
+            </a:extLst>
+          </p:cNvPr>
+          <p:cNvCxnSpPr>
+            <a:cxnSpLocks/>
+            <a:endCxn id="307" idx="1"/>
+          </p:cNvCxnSpPr>
+          <p:nvPr/>
+        </p:nvCxnSpPr>
+        <p:spPr>
+          <a:xfrm>
+            <a:off x="9150721" y="4672218"/>
+            <a:ext cx="827279" cy="1397452"/>
+          </a:xfrm>
+          <a:prstGeom prst="straightConnector1">
+            <a:avLst/>
+          </a:prstGeom>
+          <a:ln>
+            <a:tailEnd type="triangle"/>
+          </a:ln>
+        </p:spPr>
+        <p:style>
+          <a:lnRef idx="1">
+            <a:schemeClr val="accent1"/>
+          </a:lnRef>
+          <a:fillRef idx="0">
+            <a:schemeClr val="accent1"/>
+          </a:fillRef>
+          <a:effectRef idx="0">
+            <a:schemeClr val="accent1"/>
+          </a:effectRef>
+          <a:fontRef idx="minor">
+            <a:schemeClr val="tx1"/>
+          </a:fontRef>
+        </p:style>
+      </p:cxnSp>
+      <p:sp>
+        <p:nvSpPr>
+          <p:cNvPr id="307" name="Rectangle 306">
+            <a:extLst>
+              <a:ext uri="{FF2B5EF4-FFF2-40B4-BE49-F238E27FC236}">
+                <a16:creationId xmlns:a16="http://schemas.microsoft.com/office/drawing/2014/main" id="{A90BC163-B717-4391-BAD4-1477D8CFA137}"/>
+              </a:ext>
+            </a:extLst>
+          </p:cNvPr>
+          <p:cNvSpPr/>
+          <p:nvPr/>
+        </p:nvSpPr>
+        <p:spPr>
+          <a:xfrm>
+            <a:off x="9978000" y="5826212"/>
+            <a:ext cx="1987578" cy="486915"/>
+          </a:xfrm>
+          <a:prstGeom prst="rect">
+            <a:avLst/>
+          </a:prstGeom>
+        </p:spPr>
+        <p:style>
+          <a:lnRef idx="2">
+            <a:schemeClr val="accent6"/>
+          </a:lnRef>
+          <a:fillRef idx="1">
+            <a:schemeClr val="lt1"/>
+          </a:fillRef>
+          <a:effectRef idx="0">
+            <a:schemeClr val="accent6"/>
+          </a:effectRef>
+          <a:fontRef idx="minor">
+            <a:schemeClr val="dk1"/>
+          </a:fontRef>
+        </p:style>
+        <p:txBody>
+          <a:bodyPr rtlCol="0" anchor="ctr"/>
+          <a:lstStyle/>
+          <a:p>
+            <a:endParaRPr lang="vi-VN" dirty="0"/>
+          </a:p>
+          <a:p>
+            <a:endParaRPr lang="vi-VN" dirty="0"/>
+          </a:p>
+          <a:p>
+            <a:endParaRPr lang="vi-VN" dirty="0"/>
+          </a:p>
+          <a:p>
+            <a:r>
+              <a:rPr lang="en-US" dirty="0" err="1"/>
+              <a:t>Load_checkpoint</a:t>
+            </a:r>
+            <a:endParaRPr lang="vi-VN" dirty="0"/>
+          </a:p>
+          <a:p>
+            <a:pPr marL="285750" indent="-285750">
+              <a:buFontTx/>
+              <a:buChar char="-"/>
+            </a:pPr>
+            <a:endParaRPr lang="vi-VN" dirty="0"/>
+          </a:p>
+          <a:p>
+            <a:pPr marL="285750" indent="-285750">
+              <a:buFontTx/>
+              <a:buChar char="-"/>
+            </a:pPr>
+            <a:endParaRPr lang="vi-VN" dirty="0"/>
+          </a:p>
+          <a:p>
+            <a:pPr marL="285750" indent="-285750" algn="ctr">
+              <a:buFontTx/>
+              <a:buChar char="-"/>
+            </a:pPr>
+            <a:endParaRPr lang="vi-VN" dirty="0"/>
+          </a:p>
+        </p:txBody>
+      </p:sp>
     </p:spTree>
     <p:extLst>
       <p:ext uri="{BB962C8B-B14F-4D97-AF65-F5344CB8AC3E}">

--- a/mid_term/mid_term_v1.pptx
+++ b/mid_term/mid_term_v1.pptx
@@ -5227,7 +5227,7 @@
               <p:nvPr>
                 <p:extLst>
                   <p:ext uri="{D42A27DB-BD31-4B8C-83A1-F6EECF244321}">
-                    <p14:modId xmlns:p14="http://schemas.microsoft.com/office/powerpoint/2010/main" val="872438063"/>
+                    <p14:modId xmlns:p14="http://schemas.microsoft.com/office/powerpoint/2010/main" val="4227517862"/>
                   </p:ext>
                 </p:extLst>
               </p:nvPr>
@@ -5493,18 +5493,9 @@
                         <a:lstStyle/>
                         <a:p>
                           <a:r>
-                            <a:rPr lang="en-US" sz="1800" b="0" i="0" kern="1200">
-                              <a:solidFill>
-                                <a:schemeClr val="dk1"/>
-                              </a:solidFill>
-                              <a:effectLst/>
-                              <a:latin typeface="+mn-lt"/>
-                              <a:ea typeface="+mn-ea"/>
-                              <a:cs typeface="+mn-cs"/>
-                            </a:rPr>
-                            <a:t>0.9012</a:t>
+                            <a:rPr lang="en-US" dirty="0"/>
+                            <a:t>TODO</a:t>
                           </a:r>
-                          <a:endParaRPr lang="en-US" dirty="0"/>
                         </a:p>
                       </a:txBody>
                       <a:tcPr/>
@@ -6749,7 +6740,7 @@
               <p:nvPr>
                 <p:extLst>
                   <p:ext uri="{D42A27DB-BD31-4B8C-83A1-F6EECF244321}">
-                    <p14:modId xmlns:p14="http://schemas.microsoft.com/office/powerpoint/2010/main" val="872438063"/>
+                    <p14:modId xmlns:p14="http://schemas.microsoft.com/office/powerpoint/2010/main" val="4227517862"/>
                   </p:ext>
                 </p:extLst>
               </p:nvPr>
@@ -6928,18 +6919,9 @@
                         <a:lstStyle/>
                         <a:p>
                           <a:r>
-                            <a:rPr lang="en-US" sz="1800" b="0" i="0" kern="1200">
-                              <a:solidFill>
-                                <a:schemeClr val="dk1"/>
-                              </a:solidFill>
-                              <a:effectLst/>
-                              <a:latin typeface="+mn-lt"/>
-                              <a:ea typeface="+mn-ea"/>
-                              <a:cs typeface="+mn-cs"/>
-                            </a:rPr>
-                            <a:t>0.9012</a:t>
+                            <a:rPr lang="en-US" dirty="0"/>
+                            <a:t>TODO</a:t>
                           </a:r>
-                          <a:endParaRPr lang="en-US" dirty="0"/>
                         </a:p>
                       </a:txBody>
                       <a:tcPr/>
@@ -7269,7 +7251,7 @@
               <p:nvPr>
                 <p:extLst>
                   <p:ext uri="{D42A27DB-BD31-4B8C-83A1-F6EECF244321}">
-                    <p14:modId xmlns:p14="http://schemas.microsoft.com/office/powerpoint/2010/main" val="3767322679"/>
+                    <p14:modId xmlns:p14="http://schemas.microsoft.com/office/powerpoint/2010/main" val="344982348"/>
                   </p:ext>
                 </p:extLst>
               </p:nvPr>
@@ -7418,9 +7400,10 @@
                         <a:lstStyle/>
                         <a:p>
                           <a:r>
-                            <a:rPr lang="en-US" dirty="0"/>
-                            <a:t>Binary</a:t>
+                            <a:rPr lang="en-US" dirty="0" err="1"/>
+                            <a:t>Binarý</a:t>
                           </a:r>
+                          <a:endParaRPr lang="en-US" dirty="0"/>
                         </a:p>
                       </a:txBody>
                       <a:tcPr/>
@@ -7878,7 +7861,7 @@
               <p:nvPr>
                 <p:extLst>
                   <p:ext uri="{D42A27DB-BD31-4B8C-83A1-F6EECF244321}">
-                    <p14:modId xmlns:p14="http://schemas.microsoft.com/office/powerpoint/2010/main" val="3767322679"/>
+                    <p14:modId xmlns:p14="http://schemas.microsoft.com/office/powerpoint/2010/main" val="344982348"/>
                   </p:ext>
                 </p:extLst>
               </p:nvPr>
@@ -8027,9 +8010,10 @@
                         <a:lstStyle/>
                         <a:p>
                           <a:r>
-                            <a:rPr lang="en-US" dirty="0"/>
-                            <a:t>Binary</a:t>
+                            <a:rPr lang="en-US" dirty="0" err="1"/>
+                            <a:t>Binarý</a:t>
                           </a:r>
+                          <a:endParaRPr lang="en-US" dirty="0"/>
                         </a:p>
                       </a:txBody>
                       <a:tcPr/>

--- a/mid_term/mid_term_v1.pptx
+++ b/mid_term/mid_term_v1.pptx
@@ -5,7 +5,7 @@
     <p:sldMasterId id="2147483648" r:id="rId4"/>
   </p:sldMasterIdLst>
   <p:notesMasterIdLst>
-    <p:notesMasterId r:id="rId19"/>
+    <p:notesMasterId r:id="rId21"/>
   </p:notesMasterIdLst>
   <p:sldIdLst>
     <p:sldId id="256" r:id="rId5"/>
@@ -17,11 +17,13 @@
     <p:sldId id="283" r:id="rId11"/>
     <p:sldId id="287" r:id="rId12"/>
     <p:sldId id="263" r:id="rId13"/>
-    <p:sldId id="282" r:id="rId14"/>
-    <p:sldId id="266" r:id="rId15"/>
-    <p:sldId id="289" r:id="rId16"/>
-    <p:sldId id="267" r:id="rId17"/>
-    <p:sldId id="288" r:id="rId18"/>
+    <p:sldId id="290" r:id="rId14"/>
+    <p:sldId id="291" r:id="rId15"/>
+    <p:sldId id="282" r:id="rId16"/>
+    <p:sldId id="266" r:id="rId17"/>
+    <p:sldId id="289" r:id="rId18"/>
+    <p:sldId id="267" r:id="rId19"/>
+    <p:sldId id="288" r:id="rId20"/>
   </p:sldIdLst>
   <p:sldSz cx="12192000" cy="6858000"/>
   <p:notesSz cx="6858000" cy="9144000"/>
@@ -210,7 +212,7 @@
           <a:p>
             <a:fld id="{7A0339F4-D5E1-4040-BE44-F79A45E1785F}" type="datetimeFigureOut">
               <a:rPr lang="en-AU" smtClean="0"/>
-              <a:t>24/02/2021</a:t>
+              <a:t>25/02/2021</a:t>
             </a:fld>
             <a:endParaRPr lang="en-AU"/>
           </a:p>
@@ -807,6 +809,174 @@
     </p:spTree>
     <p:extLst>
       <p:ext uri="{BB962C8B-B14F-4D97-AF65-F5344CB8AC3E}">
+        <p14:creationId xmlns:p14="http://schemas.microsoft.com/office/powerpoint/2010/main" val="1670403296"/>
+      </p:ext>
+    </p:extLst>
+  </p:cSld>
+  <p:clrMapOvr>
+    <a:masterClrMapping/>
+  </p:clrMapOvr>
+</p:notes>
+</file>
+
+<file path=ppt/notesSlides/notesSlide5.xml><?xml version="1.0" encoding="utf-8"?>
+<p:notes xmlns:a="http://schemas.openxmlformats.org/drawingml/2006/main" xmlns:r="http://schemas.openxmlformats.org/officeDocument/2006/relationships" xmlns:p="http://schemas.openxmlformats.org/presentationml/2006/main">
+  <p:cSld>
+    <p:spTree>
+      <p:nvGrpSpPr>
+        <p:cNvPr id="1" name=""/>
+        <p:cNvGrpSpPr/>
+        <p:nvPr/>
+      </p:nvGrpSpPr>
+      <p:grpSpPr>
+        <a:xfrm>
+          <a:off x="0" y="0"/>
+          <a:ext cx="0" cy="0"/>
+          <a:chOff x="0" y="0"/>
+          <a:chExt cx="0" cy="0"/>
+        </a:xfrm>
+      </p:grpSpPr>
+      <p:sp>
+        <p:nvSpPr>
+          <p:cNvPr id="2" name="Slide Image Placeholder 1"/>
+          <p:cNvSpPr>
+            <a:spLocks noGrp="1" noRot="1" noChangeAspect="1"/>
+          </p:cNvSpPr>
+          <p:nvPr>
+            <p:ph type="sldImg"/>
+          </p:nvPr>
+        </p:nvSpPr>
+        <p:spPr/>
+      </p:sp>
+      <p:sp>
+        <p:nvSpPr>
+          <p:cNvPr id="3" name="Notes Placeholder 2"/>
+          <p:cNvSpPr>
+            <a:spLocks noGrp="1"/>
+          </p:cNvSpPr>
+          <p:nvPr>
+            <p:ph type="body" idx="1"/>
+          </p:nvPr>
+        </p:nvSpPr>
+        <p:spPr/>
+        <p:txBody>
+          <a:bodyPr/>
+          <a:lstStyle/>
+          <a:p>
+            <a:endParaRPr lang="en-US" dirty="0"/>
+          </a:p>
+        </p:txBody>
+      </p:sp>
+      <p:sp>
+        <p:nvSpPr>
+          <p:cNvPr id="4" name="Slide Number Placeholder 3"/>
+          <p:cNvSpPr>
+            <a:spLocks noGrp="1"/>
+          </p:cNvSpPr>
+          <p:nvPr>
+            <p:ph type="sldNum" sz="quarter" idx="5"/>
+          </p:nvPr>
+        </p:nvSpPr>
+        <p:spPr/>
+        <p:txBody>
+          <a:bodyPr/>
+          <a:lstStyle/>
+          <a:p>
+            <a:fld id="{5AF365AE-F120-4C61-823E-9704E9511997}" type="slidenum">
+              <a:rPr lang="en-AU" smtClean="0"/>
+              <a:t>11</a:t>
+            </a:fld>
+            <a:endParaRPr lang="en-AU"/>
+          </a:p>
+        </p:txBody>
+      </p:sp>
+    </p:spTree>
+    <p:extLst>
+      <p:ext uri="{BB962C8B-B14F-4D97-AF65-F5344CB8AC3E}">
+        <p14:creationId xmlns:p14="http://schemas.microsoft.com/office/powerpoint/2010/main" val="3068596312"/>
+      </p:ext>
+    </p:extLst>
+  </p:cSld>
+  <p:clrMapOvr>
+    <a:masterClrMapping/>
+  </p:clrMapOvr>
+</p:notes>
+</file>
+
+<file path=ppt/notesSlides/notesSlide6.xml><?xml version="1.0" encoding="utf-8"?>
+<p:notes xmlns:a="http://schemas.openxmlformats.org/drawingml/2006/main" xmlns:r="http://schemas.openxmlformats.org/officeDocument/2006/relationships" xmlns:p="http://schemas.openxmlformats.org/presentationml/2006/main">
+  <p:cSld>
+    <p:spTree>
+      <p:nvGrpSpPr>
+        <p:cNvPr id="1" name=""/>
+        <p:cNvGrpSpPr/>
+        <p:nvPr/>
+      </p:nvGrpSpPr>
+      <p:grpSpPr>
+        <a:xfrm>
+          <a:off x="0" y="0"/>
+          <a:ext cx="0" cy="0"/>
+          <a:chOff x="0" y="0"/>
+          <a:chExt cx="0" cy="0"/>
+        </a:xfrm>
+      </p:grpSpPr>
+      <p:sp>
+        <p:nvSpPr>
+          <p:cNvPr id="2" name="Slide Image Placeholder 1"/>
+          <p:cNvSpPr>
+            <a:spLocks noGrp="1" noRot="1" noChangeAspect="1"/>
+          </p:cNvSpPr>
+          <p:nvPr>
+            <p:ph type="sldImg"/>
+          </p:nvPr>
+        </p:nvSpPr>
+        <p:spPr/>
+      </p:sp>
+      <p:sp>
+        <p:nvSpPr>
+          <p:cNvPr id="3" name="Notes Placeholder 2"/>
+          <p:cNvSpPr>
+            <a:spLocks noGrp="1"/>
+          </p:cNvSpPr>
+          <p:nvPr>
+            <p:ph type="body" idx="1"/>
+          </p:nvPr>
+        </p:nvSpPr>
+        <p:spPr/>
+        <p:txBody>
+          <a:bodyPr/>
+          <a:lstStyle/>
+          <a:p>
+            <a:endParaRPr lang="en-US" dirty="0"/>
+          </a:p>
+        </p:txBody>
+      </p:sp>
+      <p:sp>
+        <p:nvSpPr>
+          <p:cNvPr id="4" name="Slide Number Placeholder 3"/>
+          <p:cNvSpPr>
+            <a:spLocks noGrp="1"/>
+          </p:cNvSpPr>
+          <p:nvPr>
+            <p:ph type="sldNum" sz="quarter" idx="5"/>
+          </p:nvPr>
+        </p:nvSpPr>
+        <p:spPr/>
+        <p:txBody>
+          <a:bodyPr/>
+          <a:lstStyle/>
+          <a:p>
+            <a:fld id="{5AF365AE-F120-4C61-823E-9704E9511997}" type="slidenum">
+              <a:rPr lang="en-AU" smtClean="0"/>
+              <a:t>12</a:t>
+            </a:fld>
+            <a:endParaRPr lang="en-AU"/>
+          </a:p>
+        </p:txBody>
+      </p:sp>
+    </p:spTree>
+    <p:extLst>
+      <p:ext uri="{BB962C8B-B14F-4D97-AF65-F5344CB8AC3E}">
         <p14:creationId xmlns:p14="http://schemas.microsoft.com/office/powerpoint/2010/main" val="3042147044"/>
       </p:ext>
     </p:extLst>
@@ -851,7 +1021,7 @@
           <a:p>
             <a:fld id="{DF8BEA47-A580-4C57-9357-8816B33422CD}" type="datetime1">
               <a:rPr lang="en-AU" smtClean="0"/>
-              <a:t>24/02/2021</a:t>
+              <a:t>25/02/2021</a:t>
             </a:fld>
             <a:endParaRPr lang="en-AU"/>
           </a:p>
@@ -1319,7 +1489,7 @@
           <a:p>
             <a:fld id="{8F6B76D1-50F8-47E8-82F7-C2CE95E07DA4}" type="datetime1">
               <a:rPr lang="en-AU" smtClean="0"/>
-              <a:t>24/02/2021</a:t>
+              <a:t>25/02/2021</a:t>
             </a:fld>
             <a:endParaRPr lang="en-AU"/>
           </a:p>
@@ -1579,7 +1749,7 @@
           <a:p>
             <a:fld id="{3B22A50C-D5E8-4C27-9226-2EF83F9CFEA4}" type="datetime1">
               <a:rPr lang="en-AU" smtClean="0"/>
-              <a:t>24/02/2021</a:t>
+              <a:t>25/02/2021</a:t>
             </a:fld>
             <a:endParaRPr lang="en-AU"/>
           </a:p>
@@ -1678,7 +1848,7 @@
           <a:p>
             <a:fld id="{94AA41C5-75B3-4713-BCF2-0B206D818701}" type="datetime1">
               <a:rPr lang="en-AU" smtClean="0"/>
-              <a:t>24/02/2021</a:t>
+              <a:t>25/02/2021</a:t>
             </a:fld>
             <a:endParaRPr lang="en-AU"/>
           </a:p>
@@ -2044,7 +2214,7 @@
           <a:p>
             <a:fld id="{B9FF62A3-BE55-482B-85D0-BE1BA1FF8614}" type="datetime1">
               <a:rPr lang="en-AU" smtClean="0"/>
-              <a:t>24/02/2021</a:t>
+              <a:t>25/02/2021</a:t>
             </a:fld>
             <a:endParaRPr lang="en-AU"/>
           </a:p>
@@ -2166,7 +2336,7 @@
           <a:p>
             <a:fld id="{47ED8A6B-39E1-4A77-9A59-E83F7B313A42}" type="datetime1">
               <a:rPr lang="en-AU" smtClean="0"/>
-              <a:t>24/02/2021</a:t>
+              <a:t>25/02/2021</a:t>
             </a:fld>
             <a:endParaRPr lang="en-AU"/>
           </a:p>
@@ -2724,7 +2894,7 @@
           <a:p>
             <a:fld id="{39362F8A-2C01-46C7-BE7F-82945AC89E07}" type="datetime1">
               <a:rPr lang="en-AU" smtClean="0"/>
-              <a:t>24/02/2021</a:t>
+              <a:t>25/02/2021</a:t>
             </a:fld>
             <a:endParaRPr lang="en-AU"/>
           </a:p>
@@ -2968,7 +3138,7 @@
           <a:p>
             <a:fld id="{0ADFC286-7923-438C-A035-80075811B15D}" type="datetime1">
               <a:rPr lang="en-AU" smtClean="0"/>
-              <a:t>24/02/2021</a:t>
+              <a:t>25/02/2021</a:t>
             </a:fld>
             <a:endParaRPr lang="en-AU"/>
           </a:p>
@@ -3342,7 +3512,7 @@
           <a:p>
             <a:fld id="{EABE809E-782A-49BA-B60E-94A76A75CFB8}" type="datetime1">
               <a:rPr lang="en-AU" smtClean="0"/>
-              <a:t>24/02/2021</a:t>
+              <a:t>25/02/2021</a:t>
             </a:fld>
             <a:endParaRPr lang="en-AU"/>
           </a:p>
@@ -3472,7 +3642,7 @@
           <a:p>
             <a:fld id="{073669BC-CC2F-42F8-8B5C-2F02C552A8EE}" type="datetime1">
               <a:rPr lang="en-AU" smtClean="0"/>
-              <a:t>24/02/2021</a:t>
+              <a:t>25/02/2021</a:t>
             </a:fld>
             <a:endParaRPr lang="en-AU"/>
           </a:p>
@@ -3571,7 +3741,7 @@
           <a:p>
             <a:fld id="{CD0F2E40-F34B-477A-A300-5EE15F6219B3}" type="datetime1">
               <a:rPr lang="en-AU" smtClean="0"/>
-              <a:t>24/02/2021</a:t>
+              <a:t>25/02/2021</a:t>
             </a:fld>
             <a:endParaRPr lang="en-AU"/>
           </a:p>
@@ -3755,7 +3925,7 @@
           <a:p>
             <a:fld id="{43FDF7FE-EC28-4E28-ABA7-1ECFC5736BCC}" type="datetime1">
               <a:rPr lang="en-AU" smtClean="0"/>
-              <a:t>24/02/2021</a:t>
+              <a:t>25/02/2021</a:t>
             </a:fld>
             <a:endParaRPr lang="en-AU"/>
           </a:p>
@@ -4433,6 +4603,1376 @@
           </a:p>
         </p:txBody>
       </p:sp>
+      <p:sp>
+        <p:nvSpPr>
+          <p:cNvPr id="10" name="Content Placeholder 6">
+            <a:extLst>
+              <a:ext uri="{FF2B5EF4-FFF2-40B4-BE49-F238E27FC236}">
+                <a16:creationId xmlns:a16="http://schemas.microsoft.com/office/drawing/2014/main" id="{51F135C9-2AC1-4491-95EA-03B3B6BC98FE}"/>
+              </a:ext>
+            </a:extLst>
+          </p:cNvPr>
+          <p:cNvSpPr>
+            <a:spLocks noGrp="1"/>
+          </p:cNvSpPr>
+          <p:nvPr>
+            <p:ph idx="1"/>
+          </p:nvPr>
+        </p:nvSpPr>
+        <p:spPr>
+          <a:xfrm>
+            <a:off x="838200" y="912085"/>
+            <a:ext cx="10515600" cy="5497424"/>
+          </a:xfrm>
+        </p:spPr>
+        <p:txBody>
+          <a:bodyPr/>
+          <a:lstStyle/>
+          <a:p>
+            <a:r>
+              <a:rPr lang="en-US" dirty="0"/>
+              <a:t>Experiments</a:t>
+            </a:r>
+          </a:p>
+          <a:p>
+            <a:pPr lvl="1"/>
+            <a:r>
+              <a:rPr lang="en-US" dirty="0"/>
+              <a:t>Cifar10 dataset</a:t>
+            </a:r>
+          </a:p>
+          <a:p>
+            <a:pPr lvl="1"/>
+            <a:endParaRPr lang="en-US" dirty="0"/>
+          </a:p>
+        </p:txBody>
+      </p:sp>
+      <p:graphicFrame>
+        <p:nvGraphicFramePr>
+          <p:cNvPr id="3" name="Table 5">
+            <a:extLst>
+              <a:ext uri="{FF2B5EF4-FFF2-40B4-BE49-F238E27FC236}">
+                <a16:creationId xmlns:a16="http://schemas.microsoft.com/office/drawing/2014/main" id="{616C0A47-503D-45C0-911A-3BA363B381A4}"/>
+              </a:ext>
+            </a:extLst>
+          </p:cNvPr>
+          <p:cNvGraphicFramePr>
+            <a:graphicFrameLocks noGrp="1"/>
+          </p:cNvGraphicFramePr>
+          <p:nvPr/>
+        </p:nvGraphicFramePr>
+        <p:xfrm>
+          <a:off x="489246" y="1998755"/>
+          <a:ext cx="5789634" cy="3947160"/>
+        </p:xfrm>
+        <a:graphic>
+          <a:graphicData uri="http://schemas.openxmlformats.org/drawingml/2006/table">
+            <a:tbl>
+              <a:tblPr bandRow="1">
+                <a:tableStyleId>{5C22544A-7EE6-4342-B048-85BDC9FD1C3A}</a:tableStyleId>
+              </a:tblPr>
+              <a:tblGrid>
+                <a:gridCol w="1929878">
+                  <a:extLst>
+                    <a:ext uri="{9D8B030D-6E8A-4147-A177-3AD203B41FA5}">
+                      <a16:colId xmlns:a16="http://schemas.microsoft.com/office/drawing/2014/main" val="1886076112"/>
+                    </a:ext>
+                  </a:extLst>
+                </a:gridCol>
+                <a:gridCol w="1929878">
+                  <a:extLst>
+                    <a:ext uri="{9D8B030D-6E8A-4147-A177-3AD203B41FA5}">
+                      <a16:colId xmlns:a16="http://schemas.microsoft.com/office/drawing/2014/main" val="3056220406"/>
+                    </a:ext>
+                  </a:extLst>
+                </a:gridCol>
+                <a:gridCol w="1929878">
+                  <a:extLst>
+                    <a:ext uri="{9D8B030D-6E8A-4147-A177-3AD203B41FA5}">
+                      <a16:colId xmlns:a16="http://schemas.microsoft.com/office/drawing/2014/main" val="1856223577"/>
+                    </a:ext>
+                  </a:extLst>
+                </a:gridCol>
+              </a:tblGrid>
+              <a:tr h="370840">
+                <a:tc gridSpan="2">
+                  <a:txBody>
+                    <a:bodyPr/>
+                    <a:lstStyle/>
+                    <a:p>
+                      <a:r>
+                        <a:rPr lang="en-US" dirty="0" err="1"/>
+                        <a:t>Numer</a:t>
+                      </a:r>
+                      <a:r>
+                        <a:rPr lang="en-US" dirty="0"/>
+                        <a:t> class</a:t>
+                      </a:r>
+                    </a:p>
+                  </a:txBody>
+                  <a:tcPr/>
+                </a:tc>
+                <a:tc hMerge="1">
+                  <a:txBody>
+                    <a:bodyPr/>
+                    <a:lstStyle/>
+                    <a:p>
+                      <a:endParaRPr lang="en-US" dirty="0"/>
+                    </a:p>
+                  </a:txBody>
+                  <a:tcPr/>
+                </a:tc>
+                <a:tc>
+                  <a:txBody>
+                    <a:bodyPr/>
+                    <a:lstStyle/>
+                    <a:p>
+                      <a:r>
+                        <a:rPr lang="en-US" dirty="0"/>
+                        <a:t>10</a:t>
+                      </a:r>
+                    </a:p>
+                  </a:txBody>
+                  <a:tcPr/>
+                </a:tc>
+                <a:extLst>
+                  <a:ext uri="{0D108BD9-81ED-4DB2-BD59-A6C34878D82A}">
+                    <a16:rowId xmlns:a16="http://schemas.microsoft.com/office/drawing/2014/main" val="23439611"/>
+                  </a:ext>
+                </a:extLst>
+              </a:tr>
+              <a:tr h="370840">
+                <a:tc rowSpan="2">
+                  <a:txBody>
+                    <a:bodyPr/>
+                    <a:lstStyle/>
+                    <a:p>
+                      <a:r>
+                        <a:rPr lang="en-US" dirty="0"/>
+                        <a:t>Train</a:t>
+                      </a:r>
+                    </a:p>
+                  </a:txBody>
+                  <a:tcPr/>
+                </a:tc>
+                <a:tc>
+                  <a:txBody>
+                    <a:bodyPr/>
+                    <a:lstStyle/>
+                    <a:p>
+                      <a:pPr marL="0" marR="0" lvl="0" indent="0" algn="l" defTabSz="914400" rtl="0" eaLnBrk="1" fontAlgn="auto" latinLnBrk="0" hangingPunct="1">
+                        <a:lnSpc>
+                          <a:spcPct val="100000"/>
+                        </a:lnSpc>
+                        <a:spcBef>
+                          <a:spcPts val="0"/>
+                        </a:spcBef>
+                        <a:spcAft>
+                          <a:spcPts val="0"/>
+                        </a:spcAft>
+                        <a:buClrTx/>
+                        <a:buSzTx/>
+                        <a:buFontTx/>
+                        <a:buNone/>
+                        <a:tabLst/>
+                        <a:defRPr/>
+                      </a:pPr>
+                      <a:r>
+                        <a:rPr lang="en-US" dirty="0"/>
+                        <a:t>Number images per class</a:t>
+                      </a:r>
+                    </a:p>
+                    <a:p>
+                      <a:endParaRPr lang="en-US" dirty="0"/>
+                    </a:p>
+                  </a:txBody>
+                  <a:tcPr/>
+                </a:tc>
+                <a:tc>
+                  <a:txBody>
+                    <a:bodyPr/>
+                    <a:lstStyle/>
+                    <a:p>
+                      <a:r>
+                        <a:rPr lang="en-US" dirty="0"/>
+                        <a:t>3500</a:t>
+                      </a:r>
+                    </a:p>
+                  </a:txBody>
+                  <a:tcPr/>
+                </a:tc>
+                <a:extLst>
+                  <a:ext uri="{0D108BD9-81ED-4DB2-BD59-A6C34878D82A}">
+                    <a16:rowId xmlns:a16="http://schemas.microsoft.com/office/drawing/2014/main" val="790809538"/>
+                  </a:ext>
+                </a:extLst>
+              </a:tr>
+              <a:tr h="370840">
+                <a:tc vMerge="1">
+                  <a:txBody>
+                    <a:bodyPr/>
+                    <a:lstStyle/>
+                    <a:p>
+                      <a:endParaRPr lang="en-US" dirty="0"/>
+                    </a:p>
+                  </a:txBody>
+                  <a:tcPr/>
+                </a:tc>
+                <a:tc>
+                  <a:txBody>
+                    <a:bodyPr/>
+                    <a:lstStyle/>
+                    <a:p>
+                      <a:pPr marL="0" marR="0" lvl="0" indent="0" algn="l" defTabSz="914400" rtl="0" eaLnBrk="1" fontAlgn="auto" latinLnBrk="0" hangingPunct="1">
+                        <a:lnSpc>
+                          <a:spcPct val="100000"/>
+                        </a:lnSpc>
+                        <a:spcBef>
+                          <a:spcPts val="0"/>
+                        </a:spcBef>
+                        <a:spcAft>
+                          <a:spcPts val="0"/>
+                        </a:spcAft>
+                        <a:buClrTx/>
+                        <a:buSzTx/>
+                        <a:buFontTx/>
+                        <a:buNone/>
+                        <a:tabLst/>
+                        <a:defRPr/>
+                      </a:pPr>
+                      <a:r>
+                        <a:rPr lang="en-US" dirty="0" err="1"/>
+                        <a:t>Numer</a:t>
+                      </a:r>
+                      <a:r>
+                        <a:rPr lang="en-US" dirty="0"/>
+                        <a:t> image</a:t>
+                      </a:r>
+                    </a:p>
+                    <a:p>
+                      <a:endParaRPr lang="en-US" dirty="0"/>
+                    </a:p>
+                  </a:txBody>
+                  <a:tcPr/>
+                </a:tc>
+                <a:tc>
+                  <a:txBody>
+                    <a:bodyPr/>
+                    <a:lstStyle/>
+                    <a:p>
+                      <a:r>
+                        <a:rPr lang="en-US" dirty="0"/>
+                        <a:t>35000</a:t>
+                      </a:r>
+                    </a:p>
+                  </a:txBody>
+                  <a:tcPr/>
+                </a:tc>
+                <a:extLst>
+                  <a:ext uri="{0D108BD9-81ED-4DB2-BD59-A6C34878D82A}">
+                    <a16:rowId xmlns:a16="http://schemas.microsoft.com/office/drawing/2014/main" val="1884251935"/>
+                  </a:ext>
+                </a:extLst>
+              </a:tr>
+              <a:tr h="370840">
+                <a:tc rowSpan="2">
+                  <a:txBody>
+                    <a:bodyPr/>
+                    <a:lstStyle/>
+                    <a:p>
+                      <a:r>
+                        <a:rPr lang="en-US" dirty="0"/>
+                        <a:t>Valid</a:t>
+                      </a:r>
+                    </a:p>
+                  </a:txBody>
+                  <a:tcPr/>
+                </a:tc>
+                <a:tc>
+                  <a:txBody>
+                    <a:bodyPr/>
+                    <a:lstStyle/>
+                    <a:p>
+                      <a:pPr marL="0" marR="0" lvl="0" indent="0" algn="l" defTabSz="914400" rtl="0" eaLnBrk="1" fontAlgn="auto" latinLnBrk="0" hangingPunct="1">
+                        <a:lnSpc>
+                          <a:spcPct val="100000"/>
+                        </a:lnSpc>
+                        <a:spcBef>
+                          <a:spcPts val="0"/>
+                        </a:spcBef>
+                        <a:spcAft>
+                          <a:spcPts val="0"/>
+                        </a:spcAft>
+                        <a:buClrTx/>
+                        <a:buSzTx/>
+                        <a:buFontTx/>
+                        <a:buNone/>
+                        <a:tabLst/>
+                        <a:defRPr/>
+                      </a:pPr>
+                      <a:r>
+                        <a:rPr lang="en-US" dirty="0"/>
+                        <a:t>Number images per class</a:t>
+                      </a:r>
+                    </a:p>
+                  </a:txBody>
+                  <a:tcPr/>
+                </a:tc>
+                <a:tc>
+                  <a:txBody>
+                    <a:bodyPr/>
+                    <a:lstStyle/>
+                    <a:p>
+                      <a:r>
+                        <a:rPr lang="en-US" dirty="0"/>
+                        <a:t>1500</a:t>
+                      </a:r>
+                    </a:p>
+                  </a:txBody>
+                  <a:tcPr/>
+                </a:tc>
+                <a:extLst>
+                  <a:ext uri="{0D108BD9-81ED-4DB2-BD59-A6C34878D82A}">
+                    <a16:rowId xmlns:a16="http://schemas.microsoft.com/office/drawing/2014/main" val="1851472678"/>
+                  </a:ext>
+                </a:extLst>
+              </a:tr>
+              <a:tr h="370840">
+                <a:tc vMerge="1">
+                  <a:txBody>
+                    <a:bodyPr/>
+                    <a:lstStyle/>
+                    <a:p>
+                      <a:endParaRPr lang="en-US" dirty="0"/>
+                    </a:p>
+                  </a:txBody>
+                  <a:tcPr/>
+                </a:tc>
+                <a:tc>
+                  <a:txBody>
+                    <a:bodyPr/>
+                    <a:lstStyle/>
+                    <a:p>
+                      <a:pPr marL="0" marR="0" lvl="0" indent="0" algn="l" defTabSz="914400" rtl="0" eaLnBrk="1" fontAlgn="auto" latinLnBrk="0" hangingPunct="1">
+                        <a:lnSpc>
+                          <a:spcPct val="100000"/>
+                        </a:lnSpc>
+                        <a:spcBef>
+                          <a:spcPts val="0"/>
+                        </a:spcBef>
+                        <a:spcAft>
+                          <a:spcPts val="0"/>
+                        </a:spcAft>
+                        <a:buClrTx/>
+                        <a:buSzTx/>
+                        <a:buFontTx/>
+                        <a:buNone/>
+                        <a:tabLst/>
+                        <a:defRPr/>
+                      </a:pPr>
+                      <a:r>
+                        <a:rPr lang="en-US" dirty="0" err="1"/>
+                        <a:t>Numer</a:t>
+                      </a:r>
+                      <a:r>
+                        <a:rPr lang="en-US" dirty="0"/>
+                        <a:t> image</a:t>
+                      </a:r>
+                    </a:p>
+                  </a:txBody>
+                  <a:tcPr/>
+                </a:tc>
+                <a:tc>
+                  <a:txBody>
+                    <a:bodyPr/>
+                    <a:lstStyle/>
+                    <a:p>
+                      <a:r>
+                        <a:rPr lang="en-US" dirty="0"/>
+                        <a:t>15000</a:t>
+                      </a:r>
+                    </a:p>
+                  </a:txBody>
+                  <a:tcPr/>
+                </a:tc>
+                <a:extLst>
+                  <a:ext uri="{0D108BD9-81ED-4DB2-BD59-A6C34878D82A}">
+                    <a16:rowId xmlns:a16="http://schemas.microsoft.com/office/drawing/2014/main" val="2210063749"/>
+                  </a:ext>
+                </a:extLst>
+              </a:tr>
+              <a:tr h="370840">
+                <a:tc rowSpan="2">
+                  <a:txBody>
+                    <a:bodyPr/>
+                    <a:lstStyle/>
+                    <a:p>
+                      <a:r>
+                        <a:rPr lang="en-US" dirty="0"/>
+                        <a:t>Test</a:t>
+                      </a:r>
+                    </a:p>
+                  </a:txBody>
+                  <a:tcPr/>
+                </a:tc>
+                <a:tc>
+                  <a:txBody>
+                    <a:bodyPr/>
+                    <a:lstStyle/>
+                    <a:p>
+                      <a:pPr marL="0" marR="0" lvl="0" indent="0" algn="l" defTabSz="914400" rtl="0" eaLnBrk="1" fontAlgn="auto" latinLnBrk="0" hangingPunct="1">
+                        <a:lnSpc>
+                          <a:spcPct val="100000"/>
+                        </a:lnSpc>
+                        <a:spcBef>
+                          <a:spcPts val="0"/>
+                        </a:spcBef>
+                        <a:spcAft>
+                          <a:spcPts val="0"/>
+                        </a:spcAft>
+                        <a:buClrTx/>
+                        <a:buSzTx/>
+                        <a:buFontTx/>
+                        <a:buNone/>
+                        <a:tabLst/>
+                        <a:defRPr/>
+                      </a:pPr>
+                      <a:r>
+                        <a:rPr lang="en-US" dirty="0"/>
+                        <a:t>Number images per class</a:t>
+                      </a:r>
+                    </a:p>
+                  </a:txBody>
+                  <a:tcPr/>
+                </a:tc>
+                <a:tc>
+                  <a:txBody>
+                    <a:bodyPr/>
+                    <a:lstStyle/>
+                    <a:p>
+                      <a:r>
+                        <a:rPr lang="en-US" dirty="0"/>
+                        <a:t>100</a:t>
+                      </a:r>
+                    </a:p>
+                  </a:txBody>
+                  <a:tcPr/>
+                </a:tc>
+                <a:extLst>
+                  <a:ext uri="{0D108BD9-81ED-4DB2-BD59-A6C34878D82A}">
+                    <a16:rowId xmlns:a16="http://schemas.microsoft.com/office/drawing/2014/main" val="3252479224"/>
+                  </a:ext>
+                </a:extLst>
+              </a:tr>
+              <a:tr h="370840">
+                <a:tc vMerge="1">
+                  <a:txBody>
+                    <a:bodyPr/>
+                    <a:lstStyle/>
+                    <a:p>
+                      <a:endParaRPr lang="en-US" dirty="0"/>
+                    </a:p>
+                  </a:txBody>
+                  <a:tcPr/>
+                </a:tc>
+                <a:tc>
+                  <a:txBody>
+                    <a:bodyPr/>
+                    <a:lstStyle/>
+                    <a:p>
+                      <a:pPr marL="0" marR="0" lvl="0" indent="0" algn="l" defTabSz="914400" rtl="0" eaLnBrk="1" fontAlgn="auto" latinLnBrk="0" hangingPunct="1">
+                        <a:lnSpc>
+                          <a:spcPct val="100000"/>
+                        </a:lnSpc>
+                        <a:spcBef>
+                          <a:spcPts val="0"/>
+                        </a:spcBef>
+                        <a:spcAft>
+                          <a:spcPts val="0"/>
+                        </a:spcAft>
+                        <a:buClrTx/>
+                        <a:buSzTx/>
+                        <a:buFontTx/>
+                        <a:buNone/>
+                        <a:tabLst/>
+                        <a:defRPr/>
+                      </a:pPr>
+                      <a:r>
+                        <a:rPr lang="en-US" dirty="0" err="1"/>
+                        <a:t>Numer</a:t>
+                      </a:r>
+                      <a:r>
+                        <a:rPr lang="en-US" dirty="0"/>
+                        <a:t> image</a:t>
+                      </a:r>
+                    </a:p>
+                  </a:txBody>
+                  <a:tcPr/>
+                </a:tc>
+                <a:tc>
+                  <a:txBody>
+                    <a:bodyPr/>
+                    <a:lstStyle/>
+                    <a:p>
+                      <a:r>
+                        <a:rPr lang="en-US" dirty="0"/>
+                        <a:t>1000</a:t>
+                      </a:r>
+                    </a:p>
+                  </a:txBody>
+                  <a:tcPr/>
+                </a:tc>
+                <a:extLst>
+                  <a:ext uri="{0D108BD9-81ED-4DB2-BD59-A6C34878D82A}">
+                    <a16:rowId xmlns:a16="http://schemas.microsoft.com/office/drawing/2014/main" val="3331803769"/>
+                  </a:ext>
+                </a:extLst>
+              </a:tr>
+            </a:tbl>
+          </a:graphicData>
+        </a:graphic>
+      </p:graphicFrame>
+      <p:pic>
+        <p:nvPicPr>
+          <p:cNvPr id="6" name="Picture 5">
+            <a:extLst>
+              <a:ext uri="{FF2B5EF4-FFF2-40B4-BE49-F238E27FC236}">
+                <a16:creationId xmlns:a16="http://schemas.microsoft.com/office/drawing/2014/main" id="{499FB492-140D-4C28-AA32-B8F3FA4B5BBA}"/>
+              </a:ext>
+            </a:extLst>
+          </p:cNvPr>
+          <p:cNvPicPr>
+            <a:picLocks noChangeAspect="1"/>
+          </p:cNvPicPr>
+          <p:nvPr/>
+        </p:nvPicPr>
+        <p:blipFill>
+          <a:blip r:embed="rId3"/>
+          <a:stretch>
+            <a:fillRect/>
+          </a:stretch>
+        </p:blipFill>
+        <p:spPr>
+          <a:xfrm>
+            <a:off x="6627834" y="1998755"/>
+            <a:ext cx="5365493" cy="4054669"/>
+          </a:xfrm>
+          <a:prstGeom prst="rect">
+            <a:avLst/>
+          </a:prstGeom>
+        </p:spPr>
+      </p:pic>
+    </p:spTree>
+    <p:extLst>
+      <p:ext uri="{BB962C8B-B14F-4D97-AF65-F5344CB8AC3E}">
+        <p14:creationId xmlns:p14="http://schemas.microsoft.com/office/powerpoint/2010/main" val="2489718602"/>
+      </p:ext>
+    </p:extLst>
+  </p:cSld>
+  <p:clrMapOvr>
+    <a:masterClrMapping/>
+  </p:clrMapOvr>
+</p:sld>
+</file>
+
+<file path=ppt/slides/slide11.xml><?xml version="1.0" encoding="utf-8"?>
+<p:sld xmlns:a="http://schemas.openxmlformats.org/drawingml/2006/main" xmlns:r="http://schemas.openxmlformats.org/officeDocument/2006/relationships" xmlns:p="http://schemas.openxmlformats.org/presentationml/2006/main">
+  <p:cSld>
+    <p:spTree>
+      <p:nvGrpSpPr>
+        <p:cNvPr id="1" name=""/>
+        <p:cNvGrpSpPr/>
+        <p:nvPr/>
+      </p:nvGrpSpPr>
+      <p:grpSpPr>
+        <a:xfrm>
+          <a:off x="0" y="0"/>
+          <a:ext cx="0" cy="0"/>
+          <a:chOff x="0" y="0"/>
+          <a:chExt cx="0" cy="0"/>
+        </a:xfrm>
+      </p:grpSpPr>
+      <p:sp>
+        <p:nvSpPr>
+          <p:cNvPr id="2" name="Title 1">
+            <a:extLst>
+              <a:ext uri="{FF2B5EF4-FFF2-40B4-BE49-F238E27FC236}">
+                <a16:creationId xmlns:a16="http://schemas.microsoft.com/office/drawing/2014/main" id="{68A8E0B3-4EB6-472D-8E42-063DB692BE5A}"/>
+              </a:ext>
+            </a:extLst>
+          </p:cNvPr>
+          <p:cNvSpPr>
+            <a:spLocks noGrp="1"/>
+          </p:cNvSpPr>
+          <p:nvPr>
+            <p:ph type="title"/>
+          </p:nvPr>
+        </p:nvSpPr>
+        <p:spPr/>
+        <p:txBody>
+          <a:bodyPr/>
+          <a:lstStyle/>
+          <a:p>
+            <a:r>
+              <a:rPr lang="vi-VN" dirty="0"/>
+              <a:t>Classification problem</a:t>
+            </a:r>
+            <a:endParaRPr lang="en-US" dirty="0"/>
+          </a:p>
+        </p:txBody>
+      </p:sp>
+      <p:sp>
+        <p:nvSpPr>
+          <p:cNvPr id="4" name="Footer Placeholder 3">
+            <a:extLst>
+              <a:ext uri="{FF2B5EF4-FFF2-40B4-BE49-F238E27FC236}">
+                <a16:creationId xmlns:a16="http://schemas.microsoft.com/office/drawing/2014/main" id="{3B26542C-4623-445E-AF92-C0B5043AE483}"/>
+              </a:ext>
+            </a:extLst>
+          </p:cNvPr>
+          <p:cNvSpPr>
+            <a:spLocks noGrp="1"/>
+          </p:cNvSpPr>
+          <p:nvPr>
+            <p:ph type="ftr" sz="quarter" idx="11"/>
+          </p:nvPr>
+        </p:nvSpPr>
+        <p:spPr/>
+        <p:txBody>
+          <a:bodyPr/>
+          <a:lstStyle/>
+          <a:p>
+            <a:r>
+              <a:rPr lang="en-US"/>
+              <a:t>Copyright©2020  VinBrain-Vingroup. All rights reserved.</a:t>
+            </a:r>
+            <a:endParaRPr lang="en-AU"/>
+          </a:p>
+        </p:txBody>
+      </p:sp>
+      <p:sp>
+        <p:nvSpPr>
+          <p:cNvPr id="10" name="Content Placeholder 6">
+            <a:extLst>
+              <a:ext uri="{FF2B5EF4-FFF2-40B4-BE49-F238E27FC236}">
+                <a16:creationId xmlns:a16="http://schemas.microsoft.com/office/drawing/2014/main" id="{51F135C9-2AC1-4491-95EA-03B3B6BC98FE}"/>
+              </a:ext>
+            </a:extLst>
+          </p:cNvPr>
+          <p:cNvSpPr>
+            <a:spLocks noGrp="1"/>
+          </p:cNvSpPr>
+          <p:nvPr>
+            <p:ph idx="1"/>
+          </p:nvPr>
+        </p:nvSpPr>
+        <p:spPr>
+          <a:xfrm>
+            <a:off x="838200" y="912085"/>
+            <a:ext cx="10515600" cy="5497424"/>
+          </a:xfrm>
+        </p:spPr>
+        <p:txBody>
+          <a:bodyPr/>
+          <a:lstStyle/>
+          <a:p>
+            <a:r>
+              <a:rPr lang="en-US" dirty="0"/>
+              <a:t>Experiments</a:t>
+            </a:r>
+          </a:p>
+          <a:p>
+            <a:pPr lvl="1"/>
+            <a:r>
+              <a:rPr lang="en-US" dirty="0" err="1"/>
+              <a:t>MenWomen</a:t>
+            </a:r>
+            <a:r>
+              <a:rPr lang="en-US" dirty="0"/>
+              <a:t> dataset</a:t>
+            </a:r>
+          </a:p>
+          <a:p>
+            <a:pPr lvl="1"/>
+            <a:endParaRPr lang="en-US" dirty="0"/>
+          </a:p>
+        </p:txBody>
+      </p:sp>
+      <p:graphicFrame>
+        <p:nvGraphicFramePr>
+          <p:cNvPr id="3" name="Table 5">
+            <a:extLst>
+              <a:ext uri="{FF2B5EF4-FFF2-40B4-BE49-F238E27FC236}">
+                <a16:creationId xmlns:a16="http://schemas.microsoft.com/office/drawing/2014/main" id="{616C0A47-503D-45C0-911A-3BA363B381A4}"/>
+              </a:ext>
+            </a:extLst>
+          </p:cNvPr>
+          <p:cNvGraphicFramePr>
+            <a:graphicFrameLocks noGrp="1"/>
+          </p:cNvGraphicFramePr>
+          <p:nvPr/>
+        </p:nvGraphicFramePr>
+        <p:xfrm>
+          <a:off x="489246" y="1998755"/>
+          <a:ext cx="5365492" cy="4054669"/>
+        </p:xfrm>
+        <a:graphic>
+          <a:graphicData uri="http://schemas.openxmlformats.org/drawingml/2006/table">
+            <a:tbl>
+              <a:tblPr bandRow="1">
+                <a:tableStyleId>{5C22544A-7EE6-4342-B048-85BDC9FD1C3A}</a:tableStyleId>
+              </a:tblPr>
+              <a:tblGrid>
+                <a:gridCol w="1452096">
+                  <a:extLst>
+                    <a:ext uri="{9D8B030D-6E8A-4147-A177-3AD203B41FA5}">
+                      <a16:colId xmlns:a16="http://schemas.microsoft.com/office/drawing/2014/main" val="1886076112"/>
+                    </a:ext>
+                  </a:extLst>
+                </a:gridCol>
+                <a:gridCol w="1983544">
+                  <a:extLst>
+                    <a:ext uri="{9D8B030D-6E8A-4147-A177-3AD203B41FA5}">
+                      <a16:colId xmlns:a16="http://schemas.microsoft.com/office/drawing/2014/main" val="3056220406"/>
+                    </a:ext>
+                  </a:extLst>
+                </a:gridCol>
+                <a:gridCol w="1929852">
+                  <a:extLst>
+                    <a:ext uri="{9D8B030D-6E8A-4147-A177-3AD203B41FA5}">
+                      <a16:colId xmlns:a16="http://schemas.microsoft.com/office/drawing/2014/main" val="1856223577"/>
+                    </a:ext>
+                  </a:extLst>
+                </a:gridCol>
+              </a:tblGrid>
+              <a:tr h="410737">
+                <a:tc gridSpan="2">
+                  <a:txBody>
+                    <a:bodyPr/>
+                    <a:lstStyle/>
+                    <a:p>
+                      <a:r>
+                        <a:rPr lang="en-US" dirty="0" err="1"/>
+                        <a:t>Numer</a:t>
+                      </a:r>
+                      <a:r>
+                        <a:rPr lang="en-US" dirty="0"/>
+                        <a:t> class</a:t>
+                      </a:r>
+                    </a:p>
+                  </a:txBody>
+                  <a:tcPr/>
+                </a:tc>
+                <a:tc hMerge="1">
+                  <a:txBody>
+                    <a:bodyPr/>
+                    <a:lstStyle/>
+                    <a:p>
+                      <a:endParaRPr lang="en-US" dirty="0"/>
+                    </a:p>
+                  </a:txBody>
+                  <a:tcPr/>
+                </a:tc>
+                <a:tc>
+                  <a:txBody>
+                    <a:bodyPr/>
+                    <a:lstStyle/>
+                    <a:p>
+                      <a:r>
+                        <a:rPr lang="en-US" dirty="0"/>
+                        <a:t>2</a:t>
+                      </a:r>
+                    </a:p>
+                  </a:txBody>
+                  <a:tcPr/>
+                </a:tc>
+                <a:extLst>
+                  <a:ext uri="{0D108BD9-81ED-4DB2-BD59-A6C34878D82A}">
+                    <a16:rowId xmlns:a16="http://schemas.microsoft.com/office/drawing/2014/main" val="23439611"/>
+                  </a:ext>
+                </a:extLst>
+              </a:tr>
+              <a:tr h="708945">
+                <a:tc rowSpan="2">
+                  <a:txBody>
+                    <a:bodyPr/>
+                    <a:lstStyle/>
+                    <a:p>
+                      <a:r>
+                        <a:rPr lang="en-US" dirty="0"/>
+                        <a:t>Train</a:t>
+                      </a:r>
+                    </a:p>
+                    <a:p>
+                      <a:r>
+                        <a:rPr lang="en-US" dirty="0"/>
+                        <a:t>2097 images</a:t>
+                      </a:r>
+                    </a:p>
+                  </a:txBody>
+                  <a:tcPr/>
+                </a:tc>
+                <a:tc>
+                  <a:txBody>
+                    <a:bodyPr/>
+                    <a:lstStyle/>
+                    <a:p>
+                      <a:pPr marL="0" marR="0" lvl="0" indent="0" algn="l" defTabSz="914400" rtl="0" eaLnBrk="1" fontAlgn="auto" latinLnBrk="0" hangingPunct="1">
+                        <a:lnSpc>
+                          <a:spcPct val="100000"/>
+                        </a:lnSpc>
+                        <a:spcBef>
+                          <a:spcPts val="0"/>
+                        </a:spcBef>
+                        <a:spcAft>
+                          <a:spcPts val="0"/>
+                        </a:spcAft>
+                        <a:buClrTx/>
+                        <a:buSzTx/>
+                        <a:buFontTx/>
+                        <a:buNone/>
+                        <a:tabLst/>
+                        <a:defRPr/>
+                      </a:pPr>
+                      <a:r>
+                        <a:rPr lang="en-US" dirty="0"/>
+                        <a:t>Men</a:t>
+                      </a:r>
+                    </a:p>
+                    <a:p>
+                      <a:endParaRPr lang="en-US" dirty="0"/>
+                    </a:p>
+                  </a:txBody>
+                  <a:tcPr/>
+                </a:tc>
+                <a:tc>
+                  <a:txBody>
+                    <a:bodyPr/>
+                    <a:lstStyle/>
+                    <a:p>
+                      <a:r>
+                        <a:rPr lang="en-US" dirty="0"/>
+                        <a:t>890 (0.42%)</a:t>
+                      </a:r>
+                    </a:p>
+                  </a:txBody>
+                  <a:tcPr/>
+                </a:tc>
+                <a:extLst>
+                  <a:ext uri="{0D108BD9-81ED-4DB2-BD59-A6C34878D82A}">
+                    <a16:rowId xmlns:a16="http://schemas.microsoft.com/office/drawing/2014/main" val="790809538"/>
+                  </a:ext>
+                </a:extLst>
+              </a:tr>
+              <a:tr h="708945">
+                <a:tc vMerge="1">
+                  <a:txBody>
+                    <a:bodyPr/>
+                    <a:lstStyle/>
+                    <a:p>
+                      <a:endParaRPr lang="en-US" dirty="0"/>
+                    </a:p>
+                  </a:txBody>
+                  <a:tcPr/>
+                </a:tc>
+                <a:tc>
+                  <a:txBody>
+                    <a:bodyPr/>
+                    <a:lstStyle/>
+                    <a:p>
+                      <a:pPr marL="0" marR="0" lvl="0" indent="0" algn="l" defTabSz="914400" rtl="0" eaLnBrk="1" fontAlgn="auto" latinLnBrk="0" hangingPunct="1">
+                        <a:lnSpc>
+                          <a:spcPct val="100000"/>
+                        </a:lnSpc>
+                        <a:spcBef>
+                          <a:spcPts val="0"/>
+                        </a:spcBef>
+                        <a:spcAft>
+                          <a:spcPts val="0"/>
+                        </a:spcAft>
+                        <a:buClrTx/>
+                        <a:buSzTx/>
+                        <a:buFontTx/>
+                        <a:buNone/>
+                        <a:tabLst/>
+                        <a:defRPr/>
+                      </a:pPr>
+                      <a:r>
+                        <a:rPr lang="en-US" dirty="0"/>
+                        <a:t>Woman</a:t>
+                      </a:r>
+                    </a:p>
+                    <a:p>
+                      <a:endParaRPr lang="en-US" dirty="0"/>
+                    </a:p>
+                  </a:txBody>
+                  <a:tcPr/>
+                </a:tc>
+                <a:tc>
+                  <a:txBody>
+                    <a:bodyPr/>
+                    <a:lstStyle/>
+                    <a:p>
+                      <a:r>
+                        <a:rPr lang="en-US" dirty="0"/>
+                        <a:t>1207 (0.57%)</a:t>
+                      </a:r>
+                    </a:p>
+                  </a:txBody>
+                  <a:tcPr/>
+                </a:tc>
+                <a:extLst>
+                  <a:ext uri="{0D108BD9-81ED-4DB2-BD59-A6C34878D82A}">
+                    <a16:rowId xmlns:a16="http://schemas.microsoft.com/office/drawing/2014/main" val="1884251935"/>
+                  </a:ext>
+                </a:extLst>
+              </a:tr>
+              <a:tr h="702284">
+                <a:tc rowSpan="2">
+                  <a:txBody>
+                    <a:bodyPr/>
+                    <a:lstStyle/>
+                    <a:p>
+                      <a:r>
+                        <a:rPr lang="en-US" dirty="0"/>
+                        <a:t>Valid</a:t>
+                      </a:r>
+                    </a:p>
+                    <a:p>
+                      <a:r>
+                        <a:rPr lang="en-US" dirty="0"/>
+                        <a:t>900 images</a:t>
+                      </a:r>
+                    </a:p>
+                  </a:txBody>
+                  <a:tcPr/>
+                </a:tc>
+                <a:tc>
+                  <a:txBody>
+                    <a:bodyPr/>
+                    <a:lstStyle/>
+                    <a:p>
+                      <a:pPr marL="0" marR="0" lvl="0" indent="0" algn="l" defTabSz="914400" rtl="0" eaLnBrk="1" fontAlgn="auto" latinLnBrk="0" hangingPunct="1">
+                        <a:lnSpc>
+                          <a:spcPct val="100000"/>
+                        </a:lnSpc>
+                        <a:spcBef>
+                          <a:spcPts val="0"/>
+                        </a:spcBef>
+                        <a:spcAft>
+                          <a:spcPts val="0"/>
+                        </a:spcAft>
+                        <a:buClrTx/>
+                        <a:buSzTx/>
+                        <a:buFontTx/>
+                        <a:buNone/>
+                        <a:tabLst/>
+                        <a:defRPr/>
+                      </a:pPr>
+                      <a:r>
+                        <a:rPr lang="en-US" dirty="0"/>
+                        <a:t>Number images per class</a:t>
+                      </a:r>
+                    </a:p>
+                  </a:txBody>
+                  <a:tcPr/>
+                </a:tc>
+                <a:tc>
+                  <a:txBody>
+                    <a:bodyPr/>
+                    <a:lstStyle/>
+                    <a:p>
+                      <a:r>
+                        <a:rPr lang="en-US" dirty="0"/>
+                        <a:t>518 (0.42%)</a:t>
+                      </a:r>
+                    </a:p>
+                  </a:txBody>
+                  <a:tcPr/>
+                </a:tc>
+                <a:extLst>
+                  <a:ext uri="{0D108BD9-81ED-4DB2-BD59-A6C34878D82A}">
+                    <a16:rowId xmlns:a16="http://schemas.microsoft.com/office/drawing/2014/main" val="1851472678"/>
+                  </a:ext>
+                </a:extLst>
+              </a:tr>
+              <a:tr h="410737">
+                <a:tc vMerge="1">
+                  <a:txBody>
+                    <a:bodyPr/>
+                    <a:lstStyle/>
+                    <a:p>
+                      <a:endParaRPr lang="en-US" dirty="0"/>
+                    </a:p>
+                  </a:txBody>
+                  <a:tcPr/>
+                </a:tc>
+                <a:tc>
+                  <a:txBody>
+                    <a:bodyPr/>
+                    <a:lstStyle/>
+                    <a:p>
+                      <a:pPr marL="0" marR="0" lvl="0" indent="0" algn="l" defTabSz="914400" rtl="0" eaLnBrk="1" fontAlgn="auto" latinLnBrk="0" hangingPunct="1">
+                        <a:lnSpc>
+                          <a:spcPct val="100000"/>
+                        </a:lnSpc>
+                        <a:spcBef>
+                          <a:spcPts val="0"/>
+                        </a:spcBef>
+                        <a:spcAft>
+                          <a:spcPts val="0"/>
+                        </a:spcAft>
+                        <a:buClrTx/>
+                        <a:buSzTx/>
+                        <a:buFontTx/>
+                        <a:buNone/>
+                        <a:tabLst/>
+                        <a:defRPr/>
+                      </a:pPr>
+                      <a:r>
+                        <a:rPr lang="en-US" dirty="0" err="1"/>
+                        <a:t>Numer</a:t>
+                      </a:r>
+                      <a:r>
+                        <a:rPr lang="en-US" dirty="0"/>
+                        <a:t> image</a:t>
+                      </a:r>
+                    </a:p>
+                  </a:txBody>
+                  <a:tcPr/>
+                </a:tc>
+                <a:tc>
+                  <a:txBody>
+                    <a:bodyPr/>
+                    <a:lstStyle/>
+                    <a:p>
+                      <a:r>
+                        <a:rPr lang="en-US" dirty="0"/>
+                        <a:t>382 (0.57%)</a:t>
+                      </a:r>
+                    </a:p>
+                  </a:txBody>
+                  <a:tcPr/>
+                </a:tc>
+                <a:extLst>
+                  <a:ext uri="{0D108BD9-81ED-4DB2-BD59-A6C34878D82A}">
+                    <a16:rowId xmlns:a16="http://schemas.microsoft.com/office/drawing/2014/main" val="2210063749"/>
+                  </a:ext>
+                </a:extLst>
+              </a:tr>
+              <a:tr h="702284">
+                <a:tc rowSpan="2">
+                  <a:txBody>
+                    <a:bodyPr/>
+                    <a:lstStyle/>
+                    <a:p>
+                      <a:r>
+                        <a:rPr lang="en-US" dirty="0"/>
+                        <a:t>Test</a:t>
+                      </a:r>
+                    </a:p>
+                  </a:txBody>
+                  <a:tcPr/>
+                </a:tc>
+                <a:tc>
+                  <a:txBody>
+                    <a:bodyPr/>
+                    <a:lstStyle/>
+                    <a:p>
+                      <a:pPr marL="0" marR="0" lvl="0" indent="0" algn="l" defTabSz="914400" rtl="0" eaLnBrk="1" fontAlgn="auto" latinLnBrk="0" hangingPunct="1">
+                        <a:lnSpc>
+                          <a:spcPct val="100000"/>
+                        </a:lnSpc>
+                        <a:spcBef>
+                          <a:spcPts val="0"/>
+                        </a:spcBef>
+                        <a:spcAft>
+                          <a:spcPts val="0"/>
+                        </a:spcAft>
+                        <a:buClrTx/>
+                        <a:buSzTx/>
+                        <a:buFontTx/>
+                        <a:buNone/>
+                        <a:tabLst/>
+                        <a:defRPr/>
+                      </a:pPr>
+                      <a:r>
+                        <a:rPr lang="en-US" dirty="0"/>
+                        <a:t>Number images per class</a:t>
+                      </a:r>
+                    </a:p>
+                  </a:txBody>
+                  <a:tcPr/>
+                </a:tc>
+                <a:tc>
+                  <a:txBody>
+                    <a:bodyPr/>
+                    <a:lstStyle/>
+                    <a:p>
+                      <a:r>
+                        <a:rPr lang="en-US" dirty="0"/>
+                        <a:t>146 (0.43%)</a:t>
+                      </a:r>
+                    </a:p>
+                  </a:txBody>
+                  <a:tcPr/>
+                </a:tc>
+                <a:extLst>
+                  <a:ext uri="{0D108BD9-81ED-4DB2-BD59-A6C34878D82A}">
+                    <a16:rowId xmlns:a16="http://schemas.microsoft.com/office/drawing/2014/main" val="3252479224"/>
+                  </a:ext>
+                </a:extLst>
+              </a:tr>
+              <a:tr h="410737">
+                <a:tc vMerge="1">
+                  <a:txBody>
+                    <a:bodyPr/>
+                    <a:lstStyle/>
+                    <a:p>
+                      <a:endParaRPr lang="en-US" dirty="0"/>
+                    </a:p>
+                  </a:txBody>
+                  <a:tcPr/>
+                </a:tc>
+                <a:tc>
+                  <a:txBody>
+                    <a:bodyPr/>
+                    <a:lstStyle/>
+                    <a:p>
+                      <a:pPr marL="0" marR="0" lvl="0" indent="0" algn="l" defTabSz="914400" rtl="0" eaLnBrk="1" fontAlgn="auto" latinLnBrk="0" hangingPunct="1">
+                        <a:lnSpc>
+                          <a:spcPct val="100000"/>
+                        </a:lnSpc>
+                        <a:spcBef>
+                          <a:spcPts val="0"/>
+                        </a:spcBef>
+                        <a:spcAft>
+                          <a:spcPts val="0"/>
+                        </a:spcAft>
+                        <a:buClrTx/>
+                        <a:buSzTx/>
+                        <a:buFontTx/>
+                        <a:buNone/>
+                        <a:tabLst/>
+                        <a:defRPr/>
+                      </a:pPr>
+                      <a:r>
+                        <a:rPr lang="en-US" dirty="0" err="1"/>
+                        <a:t>Numer</a:t>
+                      </a:r>
+                      <a:r>
+                        <a:rPr lang="en-US" dirty="0"/>
+                        <a:t> image</a:t>
+                      </a:r>
+                    </a:p>
+                  </a:txBody>
+                  <a:tcPr/>
+                </a:tc>
+                <a:tc>
+                  <a:txBody>
+                    <a:bodyPr/>
+                    <a:lstStyle/>
+                    <a:p>
+                      <a:r>
+                        <a:rPr lang="en-US" dirty="0"/>
+                        <a:t>187 (0.56%)</a:t>
+                      </a:r>
+                    </a:p>
+                  </a:txBody>
+                  <a:tcPr/>
+                </a:tc>
+                <a:extLst>
+                  <a:ext uri="{0D108BD9-81ED-4DB2-BD59-A6C34878D82A}">
+                    <a16:rowId xmlns:a16="http://schemas.microsoft.com/office/drawing/2014/main" val="3331803769"/>
+                  </a:ext>
+                </a:extLst>
+              </a:tr>
+            </a:tbl>
+          </a:graphicData>
+        </a:graphic>
+      </p:graphicFrame>
+      <p:pic>
+        <p:nvPicPr>
+          <p:cNvPr id="1030" name="Picture 6">
+            <a:extLst>
+              <a:ext uri="{FF2B5EF4-FFF2-40B4-BE49-F238E27FC236}">
+                <a16:creationId xmlns:a16="http://schemas.microsoft.com/office/drawing/2014/main" id="{2ABB7209-892D-4F34-BE70-690821A89737}"/>
+              </a:ext>
+            </a:extLst>
+          </p:cNvPr>
+          <p:cNvPicPr>
+            <a:picLocks noChangeAspect="1" noChangeArrowheads="1"/>
+          </p:cNvPicPr>
+          <p:nvPr/>
+        </p:nvPicPr>
+        <p:blipFill>
+          <a:blip r:embed="rId3">
+            <a:extLst>
+              <a:ext uri="{28A0092B-C50C-407E-A947-70E740481C1C}">
+                <a14:useLocalDpi xmlns:a14="http://schemas.microsoft.com/office/drawing/2010/main" val="0"/>
+              </a:ext>
+            </a:extLst>
+          </a:blip>
+          <a:srcRect/>
+          <a:stretch>
+            <a:fillRect/>
+          </a:stretch>
+        </p:blipFill>
+        <p:spPr bwMode="auto">
+          <a:xfrm>
+            <a:off x="6096000" y="4129894"/>
+            <a:ext cx="5986376" cy="1680988"/>
+          </a:xfrm>
+          <a:prstGeom prst="rect">
+            <a:avLst/>
+          </a:prstGeom>
+          <a:noFill/>
+          <a:extLst>
+            <a:ext uri="{909E8E84-426E-40DD-AFC4-6F175D3DCCD1}">
+              <a14:hiddenFill xmlns:a14="http://schemas.microsoft.com/office/drawing/2010/main">
+                <a:solidFill>
+                  <a:srgbClr val="FFFFFF"/>
+                </a:solidFill>
+              </a14:hiddenFill>
+            </a:ext>
+          </a:extLst>
+        </p:spPr>
+      </p:pic>
+      <p:pic>
+        <p:nvPicPr>
+          <p:cNvPr id="1032" name="Picture 8">
+            <a:extLst>
+              <a:ext uri="{FF2B5EF4-FFF2-40B4-BE49-F238E27FC236}">
+                <a16:creationId xmlns:a16="http://schemas.microsoft.com/office/drawing/2014/main" id="{C154384E-AA8C-45E2-838C-97E05203F6F2}"/>
+              </a:ext>
+            </a:extLst>
+          </p:cNvPr>
+          <p:cNvPicPr>
+            <a:picLocks noChangeAspect="1" noChangeArrowheads="1"/>
+          </p:cNvPicPr>
+          <p:nvPr/>
+        </p:nvPicPr>
+        <p:blipFill>
+          <a:blip r:embed="rId4">
+            <a:extLst>
+              <a:ext uri="{28A0092B-C50C-407E-A947-70E740481C1C}">
+                <a14:useLocalDpi xmlns:a14="http://schemas.microsoft.com/office/drawing/2010/main" val="0"/>
+              </a:ext>
+            </a:extLst>
+          </a:blip>
+          <a:srcRect/>
+          <a:stretch>
+            <a:fillRect/>
+          </a:stretch>
+        </p:blipFill>
+        <p:spPr bwMode="auto">
+          <a:xfrm>
+            <a:off x="6205624" y="2077237"/>
+            <a:ext cx="5986376" cy="1680988"/>
+          </a:xfrm>
+          <a:prstGeom prst="rect">
+            <a:avLst/>
+          </a:prstGeom>
+          <a:noFill/>
+          <a:extLst>
+            <a:ext uri="{909E8E84-426E-40DD-AFC4-6F175D3DCCD1}">
+              <a14:hiddenFill xmlns:a14="http://schemas.microsoft.com/office/drawing/2010/main">
+                <a:solidFill>
+                  <a:srgbClr val="FFFFFF"/>
+                </a:solidFill>
+              </a14:hiddenFill>
+            </a:ext>
+          </a:extLst>
+        </p:spPr>
+      </p:pic>
+    </p:spTree>
+    <p:extLst>
+      <p:ext uri="{BB962C8B-B14F-4D97-AF65-F5344CB8AC3E}">
+        <p14:creationId xmlns:p14="http://schemas.microsoft.com/office/powerpoint/2010/main" val="2328952613"/>
+      </p:ext>
+    </p:extLst>
+  </p:cSld>
+  <p:clrMapOvr>
+    <a:masterClrMapping/>
+  </p:clrMapOvr>
+</p:sld>
+</file>
+
+<file path=ppt/slides/slide12.xml><?xml version="1.0" encoding="utf-8"?>
+<p:sld xmlns:a="http://schemas.openxmlformats.org/drawingml/2006/main" xmlns:r="http://schemas.openxmlformats.org/officeDocument/2006/relationships" xmlns:p="http://schemas.openxmlformats.org/presentationml/2006/main">
+  <p:cSld>
+    <p:spTree>
+      <p:nvGrpSpPr>
+        <p:cNvPr id="1" name=""/>
+        <p:cNvGrpSpPr/>
+        <p:nvPr/>
+      </p:nvGrpSpPr>
+      <p:grpSpPr>
+        <a:xfrm>
+          <a:off x="0" y="0"/>
+          <a:ext cx="0" cy="0"/>
+          <a:chOff x="0" y="0"/>
+          <a:chExt cx="0" cy="0"/>
+        </a:xfrm>
+      </p:grpSpPr>
+      <p:sp>
+        <p:nvSpPr>
+          <p:cNvPr id="2" name="Title 1">
+            <a:extLst>
+              <a:ext uri="{FF2B5EF4-FFF2-40B4-BE49-F238E27FC236}">
+                <a16:creationId xmlns:a16="http://schemas.microsoft.com/office/drawing/2014/main" id="{68A8E0B3-4EB6-472D-8E42-063DB692BE5A}"/>
+              </a:ext>
+            </a:extLst>
+          </p:cNvPr>
+          <p:cNvSpPr>
+            <a:spLocks noGrp="1"/>
+          </p:cNvSpPr>
+          <p:nvPr>
+            <p:ph type="title"/>
+          </p:nvPr>
+        </p:nvSpPr>
+        <p:spPr/>
+        <p:txBody>
+          <a:bodyPr/>
+          <a:lstStyle/>
+          <a:p>
+            <a:r>
+              <a:rPr lang="vi-VN" dirty="0"/>
+              <a:t>Classification problem</a:t>
+            </a:r>
+            <a:endParaRPr lang="en-US" dirty="0"/>
+          </a:p>
+        </p:txBody>
+      </p:sp>
+      <p:sp>
+        <p:nvSpPr>
+          <p:cNvPr id="4" name="Footer Placeholder 3">
+            <a:extLst>
+              <a:ext uri="{FF2B5EF4-FFF2-40B4-BE49-F238E27FC236}">
+                <a16:creationId xmlns:a16="http://schemas.microsoft.com/office/drawing/2014/main" id="{3B26542C-4623-445E-AF92-C0B5043AE483}"/>
+              </a:ext>
+            </a:extLst>
+          </p:cNvPr>
+          <p:cNvSpPr>
+            <a:spLocks noGrp="1"/>
+          </p:cNvSpPr>
+          <p:nvPr>
+            <p:ph type="ftr" sz="quarter" idx="11"/>
+          </p:nvPr>
+        </p:nvSpPr>
+        <p:spPr/>
+        <p:txBody>
+          <a:bodyPr/>
+          <a:lstStyle/>
+          <a:p>
+            <a:r>
+              <a:rPr lang="en-US"/>
+              <a:t>Copyright©2020  VinBrain-Vingroup. All rights reserved.</a:t>
+            </a:r>
+            <a:endParaRPr lang="en-AU"/>
+          </a:p>
+        </p:txBody>
+      </p:sp>
       <p:graphicFrame>
         <p:nvGraphicFramePr>
           <p:cNvPr id="5" name="Table 5">
@@ -5135,7 +6675,7 @@
 </p:sld>
 </file>
 
-<file path=ppt/slides/slide11.xml><?xml version="1.0" encoding="utf-8"?>
+<file path=ppt/slides/slide13.xml><?xml version="1.0" encoding="utf-8"?>
 <p:sld xmlns:a="http://schemas.openxmlformats.org/drawingml/2006/main" xmlns:r="http://schemas.openxmlformats.org/officeDocument/2006/relationships" xmlns:p="http://schemas.openxmlformats.org/presentationml/2006/main">
   <p:cSld>
     <p:spTree>
@@ -5210,8 +6750,8 @@
           </a:p>
         </p:txBody>
       </p:sp>
-      <mc:AlternateContent xmlns:mc="http://schemas.openxmlformats.org/markup-compatibility/2006">
-        <mc:Choice xmlns:a14="http://schemas.microsoft.com/office/drawing/2010/main" Requires="a14">
+      <mc:AlternateContent xmlns:mc="http://schemas.openxmlformats.org/markup-compatibility/2006" xmlns:a14="http://schemas.microsoft.com/office/drawing/2010/main">
+        <mc:Choice Requires="a14">
           <p:graphicFrame>
             <p:nvGraphicFramePr>
               <p:cNvPr id="6" name="Table 6">
@@ -6724,7 +8264,7 @@
             </a:graphic>
           </p:graphicFrame>
         </mc:Choice>
-        <mc:Fallback>
+        <mc:Fallback xmlns="">
           <p:graphicFrame>
             <p:nvGraphicFramePr>
               <p:cNvPr id="6" name="Table 6">
@@ -7159,7 +8699,7 @@
 </p:sld>
 </file>
 
-<file path=ppt/slides/slide12.xml><?xml version="1.0" encoding="utf-8"?>
+<file path=ppt/slides/slide14.xml><?xml version="1.0" encoding="utf-8"?>
 <p:sld xmlns:a="http://schemas.openxmlformats.org/drawingml/2006/main" xmlns:r="http://schemas.openxmlformats.org/officeDocument/2006/relationships" xmlns:p="http://schemas.openxmlformats.org/presentationml/2006/main">
   <p:cSld>
     <p:spTree>
@@ -7234,8 +8774,8 @@
           </a:p>
         </p:txBody>
       </p:sp>
-      <mc:AlternateContent xmlns:mc="http://schemas.openxmlformats.org/markup-compatibility/2006">
-        <mc:Choice xmlns:a14="http://schemas.microsoft.com/office/drawing/2010/main" Requires="a14">
+      <mc:AlternateContent xmlns:mc="http://schemas.openxmlformats.org/markup-compatibility/2006" xmlns:a14="http://schemas.microsoft.com/office/drawing/2010/main">
+        <mc:Choice Requires="a14">
           <p:graphicFrame>
             <p:nvGraphicFramePr>
               <p:cNvPr id="6" name="Table 6">
@@ -7845,7 +9385,7 @@
             </a:graphic>
           </p:graphicFrame>
         </mc:Choice>
-        <mc:Fallback>
+        <mc:Fallback xmlns="">
           <p:graphicFrame>
             <p:nvGraphicFramePr>
               <p:cNvPr id="6" name="Table 6">
@@ -8170,7 +9710,7 @@
 </p:sld>
 </file>
 
-<file path=ppt/slides/slide13.xml><?xml version="1.0" encoding="utf-8"?>
+<file path=ppt/slides/slide15.xml><?xml version="1.0" encoding="utf-8"?>
 <p:sld xmlns:a="http://schemas.openxmlformats.org/drawingml/2006/main" xmlns:r="http://schemas.openxmlformats.org/officeDocument/2006/relationships" xmlns:p="http://schemas.openxmlformats.org/presentationml/2006/main">
   <p:cSld>
     <p:spTree>
@@ -8789,7 +10329,7 @@
 </p:sld>
 </file>
 
-<file path=ppt/slides/slide14.xml><?xml version="1.0" encoding="utf-8"?>
+<file path=ppt/slides/slide16.xml><?xml version="1.0" encoding="utf-8"?>
 <p:sld xmlns:a="http://schemas.openxmlformats.org/drawingml/2006/main" xmlns:r="http://schemas.openxmlformats.org/officeDocument/2006/relationships" xmlns:p="http://schemas.openxmlformats.org/presentationml/2006/main">
   <p:cSld>
     <p:spTree>
@@ -10727,13 +12267,13 @@
           <p:nvPr>
             <p:extLst>
               <p:ext uri="{D42A27DB-BD31-4B8C-83A1-F6EECF244321}">
-                <p14:modId xmlns:p14="http://schemas.microsoft.com/office/powerpoint/2010/main" val="2027372658"/>
+                <p14:modId xmlns:p14="http://schemas.microsoft.com/office/powerpoint/2010/main" val="1793831962"/>
               </p:ext>
             </p:extLst>
           </p:nvPr>
         </p:nvGraphicFramePr>
         <p:xfrm>
-          <a:off x="3581400" y="1715951"/>
+          <a:off x="3733800" y="1965960"/>
           <a:ext cx="7620000" cy="1463040"/>
         </p:xfrm>
         <a:graphic>
@@ -17480,18 +19020,18 @@
 </file>
 
 <file path=customXml/item2.xml><?xml version="1.0" encoding="utf-8"?>
-<p:properties xmlns:p="http://schemas.microsoft.com/office/2006/metadata/properties" xmlns:xsi="http://www.w3.org/2001/XMLSchema-instance" xmlns:pc="http://schemas.microsoft.com/office/infopath/2007/PartnerControls">
-  <documentManagement/>
-</p:properties>
-</file>
-
-<file path=customXml/item3.xml><?xml version="1.0" encoding="utf-8"?>
 <?mso-contentType ?>
 <FormTemplates xmlns="http://schemas.microsoft.com/sharepoint/v3/contenttype/forms">
   <Display>DocumentLibraryForm</Display>
   <Edit>DocumentLibraryForm</Edit>
   <New>DocumentLibraryForm</New>
 </FormTemplates>
+</file>
+
+<file path=customXml/item3.xml><?xml version="1.0" encoding="utf-8"?>
+<p:properties xmlns:p="http://schemas.microsoft.com/office/2006/metadata/properties" xmlns:xsi="http://www.w3.org/2001/XMLSchema-instance" xmlns:pc="http://schemas.microsoft.com/office/infopath/2007/PartnerControls">
+  <documentManagement/>
+</p:properties>
 </file>
 
 <file path=customXml/itemProps1.xml><?xml version="1.0" encoding="utf-8"?>
@@ -17514,6 +19054,14 @@
 </file>
 
 <file path=customXml/itemProps2.xml><?xml version="1.0" encoding="utf-8"?>
+<ds:datastoreItem xmlns:ds="http://schemas.openxmlformats.org/officeDocument/2006/customXml" ds:itemID="{B1C738DB-F8D5-400E-A5D8-1494CFB71B4A}">
+  <ds:schemaRefs>
+    <ds:schemaRef ds:uri="http://schemas.microsoft.com/sharepoint/v3/contenttype/forms"/>
+  </ds:schemaRefs>
+</ds:datastoreItem>
+</file>
+
+<file path=customXml/itemProps3.xml><?xml version="1.0" encoding="utf-8"?>
 <ds:datastoreItem xmlns:ds="http://schemas.openxmlformats.org/officeDocument/2006/customXml" ds:itemID="{88E843AD-9ECA-4187-8B56-4AFC8D3D63CD}">
   <ds:schemaRefs>
     <ds:schemaRef ds:uri="http://schemas.microsoft.com/office/2006/metadata/properties"/>
@@ -17528,12 +19076,4 @@
     <ds:schemaRef ds:uri="http://purl.org/dc/terms/"/>
   </ds:schemaRefs>
 </ds:datastoreItem>
-</file>
-
-<file path=customXml/itemProps3.xml><?xml version="1.0" encoding="utf-8"?>
-<ds:datastoreItem xmlns:ds="http://schemas.openxmlformats.org/officeDocument/2006/customXml" ds:itemID="{B1C738DB-F8D5-400E-A5D8-1494CFB71B4A}">
-  <ds:schemaRefs>
-    <ds:schemaRef ds:uri="http://schemas.microsoft.com/sharepoint/v3/contenttype/forms"/>
-  </ds:schemaRefs>
-</ds:datastoreItem>
 </file>